--- a/project_one.pptx
+++ b/project_one.pptx
@@ -4,10 +4,17 @@
   <p:sldMasterIdLst>
     <p:sldMasterId id="2147483648" r:id="rId1"/>
   </p:sldMasterIdLst>
+  <p:notesMasterIdLst>
+    <p:notesMasterId r:id="rId9"/>
+  </p:notesMasterIdLst>
   <p:sldIdLst>
     <p:sldId id="256" r:id="rId2"/>
-    <p:sldId id="257" r:id="rId3"/>
-    <p:sldId id="258" r:id="rId4"/>
+    <p:sldId id="259" r:id="rId3"/>
+    <p:sldId id="261" r:id="rId4"/>
+    <p:sldId id="260" r:id="rId5"/>
+    <p:sldId id="262" r:id="rId6"/>
+    <p:sldId id="257" r:id="rId7"/>
+    <p:sldId id="258" r:id="rId8"/>
   </p:sldIdLst>
   <p:sldSz cx="12192000" cy="6858000"/>
   <p:notesSz cx="6858000" cy="9144000"/>
@@ -106,7 +113,460 @@
       </a:defRPr>
     </a:lvl9pPr>
   </p:defaultTextStyle>
+  <p:extLst>
+    <p:ext uri="{EFAFB233-063F-42B5-8137-9DF3F51BA10A}">
+      <p15:sldGuideLst xmlns:p15="http://schemas.microsoft.com/office/powerpoint/2012/main"/>
+    </p:ext>
+  </p:extLst>
 </p:presentation>
+</file>
+
+<file path=ppt/notesMasters/notesMaster1.xml><?xml version="1.0" encoding="utf-8"?>
+<p:notesMaster xmlns:a="http://schemas.openxmlformats.org/drawingml/2006/main" xmlns:r="http://schemas.openxmlformats.org/officeDocument/2006/relationships" xmlns:p="http://schemas.openxmlformats.org/presentationml/2006/main">
+  <p:cSld>
+    <p:bg>
+      <p:bgRef idx="1001">
+        <a:schemeClr val="bg1"/>
+      </p:bgRef>
+    </p:bg>
+    <p:spTree>
+      <p:nvGrpSpPr>
+        <p:cNvPr id="1" name=""/>
+        <p:cNvGrpSpPr/>
+        <p:nvPr/>
+      </p:nvGrpSpPr>
+      <p:grpSpPr>
+        <a:xfrm>
+          <a:off x="0" y="0"/>
+          <a:ext cx="0" cy="0"/>
+          <a:chOff x="0" y="0"/>
+          <a:chExt cx="0" cy="0"/>
+        </a:xfrm>
+      </p:grpSpPr>
+      <p:sp>
+        <p:nvSpPr>
+          <p:cNvPr id="2" name="Header Placeholder 1"/>
+          <p:cNvSpPr>
+            <a:spLocks noGrp="1"/>
+          </p:cNvSpPr>
+          <p:nvPr>
+            <p:ph type="hdr" sz="quarter"/>
+          </p:nvPr>
+        </p:nvSpPr>
+        <p:spPr>
+          <a:xfrm>
+            <a:off x="0" y="0"/>
+            <a:ext cx="2971800" cy="458788"/>
+          </a:xfrm>
+          <a:prstGeom prst="rect">
+            <a:avLst/>
+          </a:prstGeom>
+        </p:spPr>
+        <p:txBody>
+          <a:bodyPr vert="horz" lIns="91440" tIns="45720" rIns="91440" bIns="45720" rtlCol="0"/>
+          <a:lstStyle>
+            <a:lvl1pPr algn="l">
+              <a:defRPr sz="1200"/>
+            </a:lvl1pPr>
+          </a:lstStyle>
+          <a:p>
+            <a:endParaRPr lang="en-US"/>
+          </a:p>
+        </p:txBody>
+      </p:sp>
+      <p:sp>
+        <p:nvSpPr>
+          <p:cNvPr id="3" name="Date Placeholder 2"/>
+          <p:cNvSpPr>
+            <a:spLocks noGrp="1"/>
+          </p:cNvSpPr>
+          <p:nvPr>
+            <p:ph type="dt" idx="1"/>
+          </p:nvPr>
+        </p:nvSpPr>
+        <p:spPr>
+          <a:xfrm>
+            <a:off x="3884613" y="0"/>
+            <a:ext cx="2971800" cy="458788"/>
+          </a:xfrm>
+          <a:prstGeom prst="rect">
+            <a:avLst/>
+          </a:prstGeom>
+        </p:spPr>
+        <p:txBody>
+          <a:bodyPr vert="horz" lIns="91440" tIns="45720" rIns="91440" bIns="45720" rtlCol="0"/>
+          <a:lstStyle>
+            <a:lvl1pPr algn="r">
+              <a:defRPr sz="1200"/>
+            </a:lvl1pPr>
+          </a:lstStyle>
+          <a:p>
+            <a:fld id="{3FA835A6-38B8-8A45-9540-663DCD90924F}" type="datetimeFigureOut">
+              <a:rPr lang="en-US" smtClean="0"/>
+              <a:t>8/13/21</a:t>
+            </a:fld>
+            <a:endParaRPr lang="en-US"/>
+          </a:p>
+        </p:txBody>
+      </p:sp>
+      <p:sp>
+        <p:nvSpPr>
+          <p:cNvPr id="4" name="Slide Image Placeholder 3"/>
+          <p:cNvSpPr>
+            <a:spLocks noGrp="1" noRot="1" noChangeAspect="1"/>
+          </p:cNvSpPr>
+          <p:nvPr>
+            <p:ph type="sldImg" idx="2"/>
+          </p:nvPr>
+        </p:nvSpPr>
+        <p:spPr>
+          <a:xfrm>
+            <a:off x="685800" y="1143000"/>
+            <a:ext cx="5486400" cy="3086100"/>
+          </a:xfrm>
+          <a:prstGeom prst="rect">
+            <a:avLst/>
+          </a:prstGeom>
+          <a:noFill/>
+          <a:ln w="12700">
+            <a:solidFill>
+              <a:prstClr val="black"/>
+            </a:solidFill>
+          </a:ln>
+        </p:spPr>
+        <p:txBody>
+          <a:bodyPr vert="horz" lIns="91440" tIns="45720" rIns="91440" bIns="45720" rtlCol="0" anchor="ctr"/>
+          <a:lstStyle/>
+          <a:p>
+            <a:endParaRPr lang="en-US"/>
+          </a:p>
+        </p:txBody>
+      </p:sp>
+      <p:sp>
+        <p:nvSpPr>
+          <p:cNvPr id="5" name="Notes Placeholder 4"/>
+          <p:cNvSpPr>
+            <a:spLocks noGrp="1"/>
+          </p:cNvSpPr>
+          <p:nvPr>
+            <p:ph type="body" sz="quarter" idx="3"/>
+          </p:nvPr>
+        </p:nvSpPr>
+        <p:spPr>
+          <a:xfrm>
+            <a:off x="685800" y="4400550"/>
+            <a:ext cx="5486400" cy="3600450"/>
+          </a:xfrm>
+          <a:prstGeom prst="rect">
+            <a:avLst/>
+          </a:prstGeom>
+        </p:spPr>
+        <p:txBody>
+          <a:bodyPr vert="horz" lIns="91440" tIns="45720" rIns="91440" bIns="45720" rtlCol="0"/>
+          <a:lstStyle/>
+          <a:p>
+            <a:pPr lvl="0"/>
+            <a:r>
+              <a:rPr lang="en-US"/>
+              <a:t>Edit Master text styles</a:t>
+            </a:r>
+          </a:p>
+          <a:p>
+            <a:pPr lvl="1"/>
+            <a:r>
+              <a:rPr lang="en-US"/>
+              <a:t>Second level</a:t>
+            </a:r>
+          </a:p>
+          <a:p>
+            <a:pPr lvl="2"/>
+            <a:r>
+              <a:rPr lang="en-US"/>
+              <a:t>Third level</a:t>
+            </a:r>
+          </a:p>
+          <a:p>
+            <a:pPr lvl="3"/>
+            <a:r>
+              <a:rPr lang="en-US"/>
+              <a:t>Fourth level</a:t>
+            </a:r>
+          </a:p>
+          <a:p>
+            <a:pPr lvl="4"/>
+            <a:r>
+              <a:rPr lang="en-US"/>
+              <a:t>Fifth level</a:t>
+            </a:r>
+          </a:p>
+        </p:txBody>
+      </p:sp>
+      <p:sp>
+        <p:nvSpPr>
+          <p:cNvPr id="6" name="Footer Placeholder 5"/>
+          <p:cNvSpPr>
+            <a:spLocks noGrp="1"/>
+          </p:cNvSpPr>
+          <p:nvPr>
+            <p:ph type="ftr" sz="quarter" idx="4"/>
+          </p:nvPr>
+        </p:nvSpPr>
+        <p:spPr>
+          <a:xfrm>
+            <a:off x="0" y="8685213"/>
+            <a:ext cx="2971800" cy="458787"/>
+          </a:xfrm>
+          <a:prstGeom prst="rect">
+            <a:avLst/>
+          </a:prstGeom>
+        </p:spPr>
+        <p:txBody>
+          <a:bodyPr vert="horz" lIns="91440" tIns="45720" rIns="91440" bIns="45720" rtlCol="0" anchor="b"/>
+          <a:lstStyle>
+            <a:lvl1pPr algn="l">
+              <a:defRPr sz="1200"/>
+            </a:lvl1pPr>
+          </a:lstStyle>
+          <a:p>
+            <a:endParaRPr lang="en-US"/>
+          </a:p>
+        </p:txBody>
+      </p:sp>
+      <p:sp>
+        <p:nvSpPr>
+          <p:cNvPr id="7" name="Slide Number Placeholder 6"/>
+          <p:cNvSpPr>
+            <a:spLocks noGrp="1"/>
+          </p:cNvSpPr>
+          <p:nvPr>
+            <p:ph type="sldNum" sz="quarter" idx="5"/>
+          </p:nvPr>
+        </p:nvSpPr>
+        <p:spPr>
+          <a:xfrm>
+            <a:off x="3884613" y="8685213"/>
+            <a:ext cx="2971800" cy="458787"/>
+          </a:xfrm>
+          <a:prstGeom prst="rect">
+            <a:avLst/>
+          </a:prstGeom>
+        </p:spPr>
+        <p:txBody>
+          <a:bodyPr vert="horz" lIns="91440" tIns="45720" rIns="91440" bIns="45720" rtlCol="0" anchor="b"/>
+          <a:lstStyle>
+            <a:lvl1pPr algn="r">
+              <a:defRPr sz="1200"/>
+            </a:lvl1pPr>
+          </a:lstStyle>
+          <a:p>
+            <a:fld id="{EBB016B4-3A4F-4043-9481-CF52C37EA8FD}" type="slidenum">
+              <a:rPr lang="en-US" smtClean="0"/>
+              <a:t>‹#›</a:t>
+            </a:fld>
+            <a:endParaRPr lang="en-US"/>
+          </a:p>
+        </p:txBody>
+      </p:sp>
+    </p:spTree>
+    <p:extLst>
+      <p:ext uri="{BB962C8B-B14F-4D97-AF65-F5344CB8AC3E}">
+        <p14:creationId xmlns:p14="http://schemas.microsoft.com/office/powerpoint/2010/main" val="3998613943"/>
+      </p:ext>
+    </p:extLst>
+  </p:cSld>
+  <p:clrMap bg1="lt1" tx1="dk1" bg2="lt2" tx2="dk2" accent1="accent1" accent2="accent2" accent3="accent3" accent4="accent4" accent5="accent5" accent6="accent6" hlink="hlink" folHlink="folHlink"/>
+  <p:notesStyle>
+    <a:lvl1pPr marL="0" algn="l" defTabSz="914400" rtl="0" eaLnBrk="1" latinLnBrk="0" hangingPunct="1">
+      <a:defRPr sz="1200" kern="1200">
+        <a:solidFill>
+          <a:schemeClr val="tx1"/>
+        </a:solidFill>
+        <a:latin typeface="+mn-lt"/>
+        <a:ea typeface="+mn-ea"/>
+        <a:cs typeface="+mn-cs"/>
+      </a:defRPr>
+    </a:lvl1pPr>
+    <a:lvl2pPr marL="457200" algn="l" defTabSz="914400" rtl="0" eaLnBrk="1" latinLnBrk="0" hangingPunct="1">
+      <a:defRPr sz="1200" kern="1200">
+        <a:solidFill>
+          <a:schemeClr val="tx1"/>
+        </a:solidFill>
+        <a:latin typeface="+mn-lt"/>
+        <a:ea typeface="+mn-ea"/>
+        <a:cs typeface="+mn-cs"/>
+      </a:defRPr>
+    </a:lvl2pPr>
+    <a:lvl3pPr marL="914400" algn="l" defTabSz="914400" rtl="0" eaLnBrk="1" latinLnBrk="0" hangingPunct="1">
+      <a:defRPr sz="1200" kern="1200">
+        <a:solidFill>
+          <a:schemeClr val="tx1"/>
+        </a:solidFill>
+        <a:latin typeface="+mn-lt"/>
+        <a:ea typeface="+mn-ea"/>
+        <a:cs typeface="+mn-cs"/>
+      </a:defRPr>
+    </a:lvl3pPr>
+    <a:lvl4pPr marL="1371600" algn="l" defTabSz="914400" rtl="0" eaLnBrk="1" latinLnBrk="0" hangingPunct="1">
+      <a:defRPr sz="1200" kern="1200">
+        <a:solidFill>
+          <a:schemeClr val="tx1"/>
+        </a:solidFill>
+        <a:latin typeface="+mn-lt"/>
+        <a:ea typeface="+mn-ea"/>
+        <a:cs typeface="+mn-cs"/>
+      </a:defRPr>
+    </a:lvl4pPr>
+    <a:lvl5pPr marL="1828800" algn="l" defTabSz="914400" rtl="0" eaLnBrk="1" latinLnBrk="0" hangingPunct="1">
+      <a:defRPr sz="1200" kern="1200">
+        <a:solidFill>
+          <a:schemeClr val="tx1"/>
+        </a:solidFill>
+        <a:latin typeface="+mn-lt"/>
+        <a:ea typeface="+mn-ea"/>
+        <a:cs typeface="+mn-cs"/>
+      </a:defRPr>
+    </a:lvl5pPr>
+    <a:lvl6pPr marL="2286000" algn="l" defTabSz="914400" rtl="0" eaLnBrk="1" latinLnBrk="0" hangingPunct="1">
+      <a:defRPr sz="1200" kern="1200">
+        <a:solidFill>
+          <a:schemeClr val="tx1"/>
+        </a:solidFill>
+        <a:latin typeface="+mn-lt"/>
+        <a:ea typeface="+mn-ea"/>
+        <a:cs typeface="+mn-cs"/>
+      </a:defRPr>
+    </a:lvl6pPr>
+    <a:lvl7pPr marL="2743200" algn="l" defTabSz="914400" rtl="0" eaLnBrk="1" latinLnBrk="0" hangingPunct="1">
+      <a:defRPr sz="1200" kern="1200">
+        <a:solidFill>
+          <a:schemeClr val="tx1"/>
+        </a:solidFill>
+        <a:latin typeface="+mn-lt"/>
+        <a:ea typeface="+mn-ea"/>
+        <a:cs typeface="+mn-cs"/>
+      </a:defRPr>
+    </a:lvl7pPr>
+    <a:lvl8pPr marL="3200400" algn="l" defTabSz="914400" rtl="0" eaLnBrk="1" latinLnBrk="0" hangingPunct="1">
+      <a:defRPr sz="1200" kern="1200">
+        <a:solidFill>
+          <a:schemeClr val="tx1"/>
+        </a:solidFill>
+        <a:latin typeface="+mn-lt"/>
+        <a:ea typeface="+mn-ea"/>
+        <a:cs typeface="+mn-cs"/>
+      </a:defRPr>
+    </a:lvl8pPr>
+    <a:lvl9pPr marL="3657600" algn="l" defTabSz="914400" rtl="0" eaLnBrk="1" latinLnBrk="0" hangingPunct="1">
+      <a:defRPr sz="1200" kern="1200">
+        <a:solidFill>
+          <a:schemeClr val="tx1"/>
+        </a:solidFill>
+        <a:latin typeface="+mn-lt"/>
+        <a:ea typeface="+mn-ea"/>
+        <a:cs typeface="+mn-cs"/>
+      </a:defRPr>
+    </a:lvl9pPr>
+  </p:notesStyle>
+</p:notesMaster>
+</file>
+
+<file path=ppt/notesSlides/notesSlide1.xml><?xml version="1.0" encoding="utf-8"?>
+<p:notes xmlns:a="http://schemas.openxmlformats.org/drawingml/2006/main" xmlns:r="http://schemas.openxmlformats.org/officeDocument/2006/relationships" xmlns:p="http://schemas.openxmlformats.org/presentationml/2006/main">
+  <p:cSld>
+    <p:spTree>
+      <p:nvGrpSpPr>
+        <p:cNvPr id="1" name=""/>
+        <p:cNvGrpSpPr/>
+        <p:nvPr/>
+      </p:nvGrpSpPr>
+      <p:grpSpPr>
+        <a:xfrm>
+          <a:off x="0" y="0"/>
+          <a:ext cx="0" cy="0"/>
+          <a:chOff x="0" y="0"/>
+          <a:chExt cx="0" cy="0"/>
+        </a:xfrm>
+      </p:grpSpPr>
+      <p:sp>
+        <p:nvSpPr>
+          <p:cNvPr id="2" name="Slide Image Placeholder 1"/>
+          <p:cNvSpPr>
+            <a:spLocks noGrp="1" noRot="1" noChangeAspect="1"/>
+          </p:cNvSpPr>
+          <p:nvPr>
+            <p:ph type="sldImg"/>
+          </p:nvPr>
+        </p:nvSpPr>
+        <p:spPr/>
+      </p:sp>
+      <p:sp>
+        <p:nvSpPr>
+          <p:cNvPr id="3" name="Notes Placeholder 2"/>
+          <p:cNvSpPr>
+            <a:spLocks noGrp="1"/>
+          </p:cNvSpPr>
+          <p:nvPr>
+            <p:ph type="body" idx="1"/>
+          </p:nvPr>
+        </p:nvSpPr>
+        <p:spPr/>
+        <p:txBody>
+          <a:bodyPr/>
+          <a:lstStyle/>
+          <a:p>
+            <a:r>
+              <a:rPr lang="en-US" dirty="0">
+                <a:effectLst/>
+              </a:rPr>
+              <a:t>Pakistan; Armenia, Bahrain</a:t>
+            </a:r>
+            <a:br>
+              <a:rPr lang="en-US" dirty="0"/>
+            </a:br>
+            <a:br>
+              <a:rPr lang="en-US" dirty="0"/>
+            </a:br>
+            <a:br>
+              <a:rPr lang="en-US" dirty="0"/>
+            </a:br>
+            <a:endParaRPr lang="en-US" dirty="0"/>
+          </a:p>
+        </p:txBody>
+      </p:sp>
+      <p:sp>
+        <p:nvSpPr>
+          <p:cNvPr id="4" name="Slide Number Placeholder 3"/>
+          <p:cNvSpPr>
+            <a:spLocks noGrp="1"/>
+          </p:cNvSpPr>
+          <p:nvPr>
+            <p:ph type="sldNum" sz="quarter" idx="5"/>
+          </p:nvPr>
+        </p:nvSpPr>
+        <p:spPr/>
+        <p:txBody>
+          <a:bodyPr/>
+          <a:lstStyle/>
+          <a:p>
+            <a:fld id="{EBB016B4-3A4F-4043-9481-CF52C37EA8FD}" type="slidenum">
+              <a:rPr lang="en-US" smtClean="0"/>
+              <a:t>7</a:t>
+            </a:fld>
+            <a:endParaRPr lang="en-US"/>
+          </a:p>
+        </p:txBody>
+      </p:sp>
+    </p:spTree>
+    <p:extLst>
+      <p:ext uri="{BB962C8B-B14F-4D97-AF65-F5344CB8AC3E}">
+        <p14:creationId xmlns:p14="http://schemas.microsoft.com/office/powerpoint/2010/main" val="2516391339"/>
+      </p:ext>
+    </p:extLst>
+  </p:cSld>
+  <p:clrMapOvr>
+    <a:masterClrMapping/>
+  </p:clrMapOvr>
+</p:notes>
 </file>
 
 <file path=ppt/slideLayouts/slideLayout1.xml><?xml version="1.0" encoding="utf-8"?>
@@ -256,7 +716,7 @@
           <a:p>
             <a:fld id="{BE63B9D7-A098-764E-BA6F-CAB00B618D29}" type="datetimeFigureOut">
               <a:rPr lang="en-US" smtClean="0"/>
-              <a:t>8/7/21</a:t>
+              <a:t>8/13/21</a:t>
             </a:fld>
             <a:endParaRPr lang="en-US"/>
           </a:p>
@@ -454,7 +914,7 @@
           <a:p>
             <a:fld id="{BE63B9D7-A098-764E-BA6F-CAB00B618D29}" type="datetimeFigureOut">
               <a:rPr lang="en-US" smtClean="0"/>
-              <a:t>8/7/21</a:t>
+              <a:t>8/13/21</a:t>
             </a:fld>
             <a:endParaRPr lang="en-US"/>
           </a:p>
@@ -662,7 +1122,7 @@
           <a:p>
             <a:fld id="{BE63B9D7-A098-764E-BA6F-CAB00B618D29}" type="datetimeFigureOut">
               <a:rPr lang="en-US" smtClean="0"/>
-              <a:t>8/7/21</a:t>
+              <a:t>8/13/21</a:t>
             </a:fld>
             <a:endParaRPr lang="en-US"/>
           </a:p>
@@ -860,7 +1320,7 @@
           <a:p>
             <a:fld id="{BE63B9D7-A098-764E-BA6F-CAB00B618D29}" type="datetimeFigureOut">
               <a:rPr lang="en-US" smtClean="0"/>
-              <a:t>8/7/21</a:t>
+              <a:t>8/13/21</a:t>
             </a:fld>
             <a:endParaRPr lang="en-US"/>
           </a:p>
@@ -1135,7 +1595,7 @@
           <a:p>
             <a:fld id="{BE63B9D7-A098-764E-BA6F-CAB00B618D29}" type="datetimeFigureOut">
               <a:rPr lang="en-US" smtClean="0"/>
-              <a:t>8/7/21</a:t>
+              <a:t>8/13/21</a:t>
             </a:fld>
             <a:endParaRPr lang="en-US"/>
           </a:p>
@@ -1400,7 +1860,7 @@
           <a:p>
             <a:fld id="{BE63B9D7-A098-764E-BA6F-CAB00B618D29}" type="datetimeFigureOut">
               <a:rPr lang="en-US" smtClean="0"/>
-              <a:t>8/7/21</a:t>
+              <a:t>8/13/21</a:t>
             </a:fld>
             <a:endParaRPr lang="en-US"/>
           </a:p>
@@ -1812,7 +2272,7 @@
           <a:p>
             <a:fld id="{BE63B9D7-A098-764E-BA6F-CAB00B618D29}" type="datetimeFigureOut">
               <a:rPr lang="en-US" smtClean="0"/>
-              <a:t>8/7/21</a:t>
+              <a:t>8/13/21</a:t>
             </a:fld>
             <a:endParaRPr lang="en-US"/>
           </a:p>
@@ -1953,7 +2413,7 @@
           <a:p>
             <a:fld id="{BE63B9D7-A098-764E-BA6F-CAB00B618D29}" type="datetimeFigureOut">
               <a:rPr lang="en-US" smtClean="0"/>
-              <a:t>8/7/21</a:t>
+              <a:t>8/13/21</a:t>
             </a:fld>
             <a:endParaRPr lang="en-US"/>
           </a:p>
@@ -2066,7 +2526,7 @@
           <a:p>
             <a:fld id="{BE63B9D7-A098-764E-BA6F-CAB00B618D29}" type="datetimeFigureOut">
               <a:rPr lang="en-US" smtClean="0"/>
-              <a:t>8/7/21</a:t>
+              <a:t>8/13/21</a:t>
             </a:fld>
             <a:endParaRPr lang="en-US"/>
           </a:p>
@@ -2377,7 +2837,7 @@
           <a:p>
             <a:fld id="{BE63B9D7-A098-764E-BA6F-CAB00B618D29}" type="datetimeFigureOut">
               <a:rPr lang="en-US" smtClean="0"/>
-              <a:t>8/7/21</a:t>
+              <a:t>8/13/21</a:t>
             </a:fld>
             <a:endParaRPr lang="en-US"/>
           </a:p>
@@ -2665,7 +3125,7 @@
           <a:p>
             <a:fld id="{BE63B9D7-A098-764E-BA6F-CAB00B618D29}" type="datetimeFigureOut">
               <a:rPr lang="en-US" smtClean="0"/>
-              <a:t>8/7/21</a:t>
+              <a:t>8/13/21</a:t>
             </a:fld>
             <a:endParaRPr lang="en-US"/>
           </a:p>
@@ -2906,7 +3366,7 @@
           <a:p>
             <a:fld id="{BE63B9D7-A098-764E-BA6F-CAB00B618D29}" type="datetimeFigureOut">
               <a:rPr lang="en-US" smtClean="0"/>
-              <a:t>8/7/21</a:t>
+              <a:t>8/13/21</a:t>
             </a:fld>
             <a:endParaRPr lang="en-US"/>
           </a:p>
@@ -3339,13 +3799,61 @@
             <p:ph type="ctrTitle"/>
           </p:nvPr>
         </p:nvSpPr>
-        <p:spPr/>
-        <p:txBody>
-          <a:bodyPr/>
-          <a:lstStyle/>
-          <a:p>
-            <a:r>
-              <a:rPr lang="en-US" dirty="0"/>
+        <p:spPr>
+          <a:xfrm>
+            <a:off x="475013" y="825480"/>
+            <a:ext cx="11241974" cy="2387600"/>
+          </a:xfrm>
+        </p:spPr>
+        <p:txBody>
+          <a:bodyPr>
+            <a:normAutofit/>
+          </a:bodyPr>
+          <a:lstStyle/>
+          <a:p>
+            <a:r>
+              <a:rPr lang="en-US" sz="4800" dirty="0">
+                <a:solidFill>
+                  <a:srgbClr val="24292E"/>
+                </a:solidFill>
+                <a:latin typeface="Times New Roman" panose="02020603050405020304" pitchFamily="18" charset="0"/>
+                <a:cs typeface="Times New Roman" panose="02020603050405020304" pitchFamily="18" charset="0"/>
+              </a:rPr>
+              <a:t>World Happiness pre- and during pandemic</a:t>
+            </a:r>
+            <a:br>
+              <a:rPr lang="en-US" sz="4800" dirty="0">
+                <a:solidFill>
+                  <a:srgbClr val="24292E"/>
+                </a:solidFill>
+                <a:latin typeface="Times New Roman" panose="02020603050405020304" pitchFamily="18" charset="0"/>
+                <a:cs typeface="Times New Roman" panose="02020603050405020304" pitchFamily="18" charset="0"/>
+              </a:rPr>
+            </a:br>
+            <a:br>
+              <a:rPr lang="en-US" sz="4800" dirty="0">
+                <a:solidFill>
+                  <a:srgbClr val="24292E"/>
+                </a:solidFill>
+                <a:latin typeface="Times New Roman" panose="02020603050405020304" pitchFamily="18" charset="0"/>
+                <a:cs typeface="Times New Roman" panose="02020603050405020304" pitchFamily="18" charset="0"/>
+              </a:rPr>
+            </a:br>
+            <a:r>
+              <a:rPr lang="en-US" sz="3000" dirty="0">
+                <a:solidFill>
+                  <a:srgbClr val="24292E"/>
+                </a:solidFill>
+                <a:latin typeface="Times New Roman" panose="02020603050405020304" pitchFamily="18" charset="0"/>
+                <a:cs typeface="Times New Roman" panose="02020603050405020304" pitchFamily="18" charset="0"/>
+              </a:rPr>
+              <a:t>- </a:t>
+            </a:r>
+            <a:r>
+              <a:rPr lang="en-US" sz="3000" dirty="0">
+                <a:latin typeface="Times New Roman" panose="02020603050405020304" pitchFamily="18" charset="0"/>
+                <a:cs typeface="Times New Roman" panose="02020603050405020304" pitchFamily="18" charset="0"/>
+              </a:rPr>
               <a:t>Project-one</a:t>
             </a:r>
           </a:p>
@@ -3375,39 +3883,69 @@
         </p:spPr>
         <p:txBody>
           <a:bodyPr>
-            <a:normAutofit lnSpcReduction="10000"/>
+            <a:normAutofit fontScale="77500" lnSpcReduction="20000"/>
           </a:bodyPr>
           <a:lstStyle/>
           <a:p>
             <a:r>
-              <a:rPr lang="en-US" dirty="0" err="1"/>
+              <a:rPr lang="en-US" dirty="0" err="1">
+                <a:latin typeface="Times New Roman" panose="02020603050405020304" pitchFamily="18" charset="0"/>
+                <a:cs typeface="Times New Roman" panose="02020603050405020304" pitchFamily="18" charset="0"/>
+              </a:rPr>
               <a:t>Seara</a:t>
             </a:r>
             <a:r>
-              <a:rPr lang="en-US" dirty="0"/>
+              <a:rPr lang="en-US" dirty="0">
+                <a:latin typeface="Times New Roman" panose="02020603050405020304" pitchFamily="18" charset="0"/>
+                <a:cs typeface="Times New Roman" panose="02020603050405020304" pitchFamily="18" charset="0"/>
+              </a:rPr>
               <a:t> Clayborn</a:t>
             </a:r>
           </a:p>
           <a:p>
             <a:r>
-              <a:rPr lang="en-US" dirty="0"/>
+              <a:rPr lang="en-US" dirty="0">
+                <a:latin typeface="Times New Roman" panose="02020603050405020304" pitchFamily="18" charset="0"/>
+                <a:cs typeface="Times New Roman" panose="02020603050405020304" pitchFamily="18" charset="0"/>
+              </a:rPr>
+              <a:t>Junaid Dawood</a:t>
+            </a:r>
+          </a:p>
+          <a:p>
+            <a:r>
+              <a:rPr lang="en-US" dirty="0">
+                <a:latin typeface="Times New Roman" panose="02020603050405020304" pitchFamily="18" charset="0"/>
+                <a:cs typeface="Times New Roman" panose="02020603050405020304" pitchFamily="18" charset="0"/>
+              </a:rPr>
               <a:t>Max Krueger</a:t>
             </a:r>
           </a:p>
           <a:p>
             <a:r>
-              <a:rPr lang="en-US" dirty="0"/>
+              <a:rPr lang="en-US" dirty="0">
+                <a:latin typeface="Times New Roman" panose="02020603050405020304" pitchFamily="18" charset="0"/>
+                <a:cs typeface="Times New Roman" panose="02020603050405020304" pitchFamily="18" charset="0"/>
+              </a:rPr>
               <a:t>Max </a:t>
             </a:r>
             <a:r>
-              <a:rPr lang="en-US" dirty="0" err="1"/>
+              <a:rPr lang="en-US" dirty="0" err="1">
+                <a:latin typeface="Times New Roman" panose="02020603050405020304" pitchFamily="18" charset="0"/>
+                <a:cs typeface="Times New Roman" panose="02020603050405020304" pitchFamily="18" charset="0"/>
+              </a:rPr>
               <a:t>Thachet</a:t>
             </a:r>
-            <a:endParaRPr lang="en-US" dirty="0"/>
-          </a:p>
-          <a:p>
-            <a:r>
-              <a:rPr lang="en-US" dirty="0"/>
+            <a:endParaRPr lang="en-US" dirty="0">
+              <a:latin typeface="Times New Roman" panose="02020603050405020304" pitchFamily="18" charset="0"/>
+              <a:cs typeface="Times New Roman" panose="02020603050405020304" pitchFamily="18" charset="0"/>
+            </a:endParaRPr>
+          </a:p>
+          <a:p>
+            <a:r>
+              <a:rPr lang="en-US" dirty="0">
+                <a:latin typeface="Times New Roman" panose="02020603050405020304" pitchFamily="18" charset="0"/>
+                <a:cs typeface="Times New Roman" panose="02020603050405020304" pitchFamily="18" charset="0"/>
+              </a:rPr>
               <a:t>Zibo Zhao</a:t>
             </a:r>
           </a:p>
@@ -3445,331 +3983,958 @@
       </p:grpSpPr>
       <p:sp>
         <p:nvSpPr>
-          <p:cNvPr id="2" name="Title 1">
-            <a:extLst>
-              <a:ext uri="{FF2B5EF4-FFF2-40B4-BE49-F238E27FC236}">
-                <a16:creationId xmlns:a16="http://schemas.microsoft.com/office/drawing/2014/main" id="{345DF9DE-F051-1A44-A758-CE002A798A2B}"/>
-              </a:ext>
-            </a:extLst>
-          </p:cNvPr>
-          <p:cNvSpPr>
-            <a:spLocks noGrp="1"/>
-          </p:cNvSpPr>
-          <p:nvPr>
-            <p:ph type="title"/>
-          </p:nvPr>
+          <p:cNvPr id="4" name="Rectangle 3">
+            <a:extLst>
+              <a:ext uri="{FF2B5EF4-FFF2-40B4-BE49-F238E27FC236}">
+                <a16:creationId xmlns:a16="http://schemas.microsoft.com/office/drawing/2014/main" id="{99C6A9E6-955D-2A46-A199-3E91BA67D66B}"/>
+              </a:ext>
+            </a:extLst>
+          </p:cNvPr>
+          <p:cNvSpPr/>
+          <p:nvPr/>
         </p:nvSpPr>
         <p:spPr>
           <a:xfrm>
-            <a:off x="384261" y="172995"/>
-            <a:ext cx="7873314" cy="1325563"/>
-          </a:xfrm>
-        </p:spPr>
-        <p:txBody>
-          <a:bodyPr>
-            <a:normAutofit/>
-          </a:bodyPr>
-          <a:lstStyle/>
-          <a:p>
-            <a:r>
-              <a:rPr lang="en-US" sz="3000" b="1" dirty="0">
-                <a:latin typeface="Times New Roman" panose="02020603050405020304" pitchFamily="18" charset="0"/>
-                <a:cs typeface="Times New Roman" panose="02020603050405020304" pitchFamily="18" charset="0"/>
-              </a:rPr>
-              <a:t>Relationship between </a:t>
-            </a:r>
-            <a:r>
-              <a:rPr lang="en-US" sz="3000" b="1" dirty="0" err="1">
-                <a:latin typeface="Times New Roman" panose="02020603050405020304" pitchFamily="18" charset="0"/>
-                <a:cs typeface="Times New Roman" panose="02020603050405020304" pitchFamily="18" charset="0"/>
-              </a:rPr>
-              <a:t>covid</a:t>
-            </a:r>
-            <a:r>
-              <a:rPr lang="en-US" sz="3000" b="1" dirty="0">
-                <a:latin typeface="Times New Roman" panose="02020603050405020304" pitchFamily="18" charset="0"/>
-                <a:cs typeface="Times New Roman" panose="02020603050405020304" pitchFamily="18" charset="0"/>
-              </a:rPr>
-              <a:t> cases and happiness score pre- and during pandemic</a:t>
-            </a:r>
-          </a:p>
-        </p:txBody>
-      </p:sp>
-      <p:sp>
-        <p:nvSpPr>
-          <p:cNvPr id="34" name="TextBox 33">
-            <a:extLst>
-              <a:ext uri="{FF2B5EF4-FFF2-40B4-BE49-F238E27FC236}">
-                <a16:creationId xmlns:a16="http://schemas.microsoft.com/office/drawing/2014/main" id="{7670B6BB-E2DC-FA43-AC9D-7199A3B3A32E}"/>
-              </a:ext>
-            </a:extLst>
-          </p:cNvPr>
-          <p:cNvSpPr txBox="1"/>
-          <p:nvPr/>
-        </p:nvSpPr>
-        <p:spPr>
-          <a:xfrm>
-            <a:off x="201501" y="1565344"/>
-            <a:ext cx="2268570" cy="338554"/>
+            <a:off x="356259" y="467027"/>
+            <a:ext cx="10687793" cy="5816977"/>
           </a:xfrm>
           <a:prstGeom prst="rect">
             <a:avLst/>
           </a:prstGeom>
-          <a:noFill/>
         </p:spPr>
         <p:txBody>
-          <a:bodyPr wrap="none" rtlCol="0">
+          <a:bodyPr wrap="square">
             <a:spAutoFit/>
           </a:bodyPr>
           <a:lstStyle/>
           <a:p>
             <a:r>
-              <a:rPr lang="en-US" sz="1600" dirty="0">
-                <a:latin typeface="Times New Roman" panose="02020603050405020304" pitchFamily="18" charset="0"/>
-                <a:cs typeface="Times New Roman" panose="02020603050405020304" pitchFamily="18" charset="0"/>
-              </a:rPr>
-              <a:t>Happiness_2020 (n=153)</a:t>
-            </a:r>
-          </a:p>
-        </p:txBody>
-      </p:sp>
-      <p:sp>
-        <p:nvSpPr>
-          <p:cNvPr id="35" name="TextBox 34">
-            <a:extLst>
-              <a:ext uri="{FF2B5EF4-FFF2-40B4-BE49-F238E27FC236}">
-                <a16:creationId xmlns:a16="http://schemas.microsoft.com/office/drawing/2014/main" id="{732D246D-86DA-E345-A188-B9B859804001}"/>
-              </a:ext>
-            </a:extLst>
-          </p:cNvPr>
-          <p:cNvSpPr txBox="1"/>
+              <a:rPr lang="en-US" sz="2400" b="1" dirty="0">
+                <a:solidFill>
+                  <a:srgbClr val="24292E"/>
+                </a:solidFill>
+                <a:latin typeface="Times New Roman" panose="02020603050405020304" pitchFamily="18" charset="0"/>
+                <a:cs typeface="Times New Roman" panose="02020603050405020304" pitchFamily="18" charset="0"/>
+              </a:rPr>
+              <a:t>In this project, we are diving into the World Happiness Report (2020 and 2021) and Covid-19-API.</a:t>
+            </a:r>
+          </a:p>
+          <a:p>
+            <a:endParaRPr lang="en-US" b="1" dirty="0">
+              <a:solidFill>
+                <a:srgbClr val="24292E"/>
+              </a:solidFill>
+              <a:latin typeface="Times New Roman" panose="02020603050405020304" pitchFamily="18" charset="0"/>
+              <a:cs typeface="Times New Roman" panose="02020603050405020304" pitchFamily="18" charset="0"/>
+            </a:endParaRPr>
+          </a:p>
+          <a:p>
+            <a:r>
+              <a:rPr lang="en-US" b="1" dirty="0">
+                <a:solidFill>
+                  <a:srgbClr val="24292E"/>
+                </a:solidFill>
+                <a:latin typeface="Times New Roman" panose="02020603050405020304" pitchFamily="18" charset="0"/>
+                <a:cs typeface="Times New Roman" panose="02020603050405020304" pitchFamily="18" charset="0"/>
+              </a:rPr>
+              <a:t>Data Source:</a:t>
+            </a:r>
+          </a:p>
+          <a:p>
+            <a:endParaRPr lang="en-US" b="1" dirty="0">
+              <a:solidFill>
+                <a:srgbClr val="24292E"/>
+              </a:solidFill>
+              <a:latin typeface="Times New Roman" panose="02020603050405020304" pitchFamily="18" charset="0"/>
+              <a:cs typeface="Times New Roman" panose="02020603050405020304" pitchFamily="18" charset="0"/>
+            </a:endParaRPr>
+          </a:p>
+          <a:p>
+            <a:pPr marL="285750" indent="-285750">
+              <a:buFont typeface="Arial" panose="020B0604020202020204" pitchFamily="34" charset="0"/>
+              <a:buChar char="•"/>
+            </a:pPr>
+            <a:r>
+              <a:rPr lang="en-US" dirty="0">
+                <a:solidFill>
+                  <a:srgbClr val="24292E"/>
+                </a:solidFill>
+                <a:latin typeface="Times New Roman" panose="02020603050405020304" pitchFamily="18" charset="0"/>
+                <a:cs typeface="Times New Roman" panose="02020603050405020304" pitchFamily="18" charset="0"/>
+                <a:hlinkClick r:id="rId2"/>
+              </a:rPr>
+              <a:t>https://worldhappiness.report/</a:t>
+            </a:r>
+            <a:endParaRPr lang="en-US" dirty="0">
+              <a:solidFill>
+                <a:srgbClr val="24292E"/>
+              </a:solidFill>
+              <a:latin typeface="Times New Roman" panose="02020603050405020304" pitchFamily="18" charset="0"/>
+              <a:cs typeface="Times New Roman" panose="02020603050405020304" pitchFamily="18" charset="0"/>
+            </a:endParaRPr>
+          </a:p>
+          <a:p>
+            <a:endParaRPr lang="en-US" b="1" dirty="0">
+              <a:solidFill>
+                <a:srgbClr val="24292E"/>
+              </a:solidFill>
+              <a:latin typeface="Times New Roman" panose="02020603050405020304" pitchFamily="18" charset="0"/>
+              <a:cs typeface="Times New Roman" panose="02020603050405020304" pitchFamily="18" charset="0"/>
+            </a:endParaRPr>
+          </a:p>
+          <a:p>
+            <a:pPr marL="285750" indent="-285750">
+              <a:buFont typeface="Arial" panose="020B0604020202020204" pitchFamily="34" charset="0"/>
+              <a:buChar char="•"/>
+            </a:pPr>
+            <a:r>
+              <a:rPr lang="en-US" dirty="0">
+                <a:solidFill>
+                  <a:srgbClr val="24292E"/>
+                </a:solidFill>
+                <a:latin typeface="Times New Roman" panose="02020603050405020304" pitchFamily="18" charset="0"/>
+                <a:cs typeface="Times New Roman" panose="02020603050405020304" pitchFamily="18" charset="0"/>
+                <a:hlinkClick r:id="rId3"/>
+              </a:rPr>
+              <a:t>https://github.com/M-Media-Group/Covid-19-API</a:t>
+            </a:r>
+            <a:endParaRPr lang="en-US" dirty="0">
+              <a:solidFill>
+                <a:srgbClr val="24292E"/>
+              </a:solidFill>
+              <a:latin typeface="Times New Roman" panose="02020603050405020304" pitchFamily="18" charset="0"/>
+              <a:cs typeface="Times New Roman" panose="02020603050405020304" pitchFamily="18" charset="0"/>
+            </a:endParaRPr>
+          </a:p>
+          <a:p>
+            <a:pPr>
+              <a:buFont typeface="Arial" panose="020B0604020202020204" pitchFamily="34" charset="0"/>
+              <a:buChar char="•"/>
+            </a:pPr>
+            <a:endParaRPr lang="en-US" dirty="0">
+              <a:solidFill>
+                <a:srgbClr val="24292E"/>
+              </a:solidFill>
+              <a:latin typeface="Times New Roman" panose="02020603050405020304" pitchFamily="18" charset="0"/>
+              <a:cs typeface="Times New Roman" panose="02020603050405020304" pitchFamily="18" charset="0"/>
+            </a:endParaRPr>
+          </a:p>
+          <a:p>
+            <a:r>
+              <a:rPr lang="en-US" b="1" dirty="0">
+                <a:solidFill>
+                  <a:srgbClr val="24292E"/>
+                </a:solidFill>
+                <a:latin typeface="Times New Roman" panose="02020603050405020304" pitchFamily="18" charset="0"/>
+                <a:cs typeface="Times New Roman" panose="02020603050405020304" pitchFamily="18" charset="0"/>
+              </a:rPr>
+              <a:t>Datasets:</a:t>
+            </a:r>
+          </a:p>
+          <a:p>
+            <a:endParaRPr lang="en-US" b="1" dirty="0">
+              <a:solidFill>
+                <a:srgbClr val="24292E"/>
+              </a:solidFill>
+              <a:latin typeface="Times New Roman" panose="02020603050405020304" pitchFamily="18" charset="0"/>
+              <a:cs typeface="Times New Roman" panose="02020603050405020304" pitchFamily="18" charset="0"/>
+            </a:endParaRPr>
+          </a:p>
+          <a:p>
+            <a:r>
+              <a:rPr lang="en-US" b="1" dirty="0">
+                <a:solidFill>
+                  <a:srgbClr val="24292E"/>
+                </a:solidFill>
+                <a:latin typeface="Times New Roman" panose="02020603050405020304" pitchFamily="18" charset="0"/>
+                <a:cs typeface="Times New Roman" panose="02020603050405020304" pitchFamily="18" charset="0"/>
+              </a:rPr>
+              <a:t>Part I: The world happiness report in year 2020 and 2021</a:t>
+            </a:r>
+          </a:p>
+          <a:p>
+            <a:r>
+              <a:rPr lang="en-US" dirty="0">
+                <a:solidFill>
+                  <a:srgbClr val="24292E"/>
+                </a:solidFill>
+                <a:latin typeface="Times New Roman" panose="02020603050405020304" pitchFamily="18" charset="0"/>
+                <a:cs typeface="Times New Roman" panose="02020603050405020304" pitchFamily="18" charset="0"/>
+                <a:hlinkClick r:id="rId4"/>
+              </a:rPr>
+              <a:t>https://worldhappiness.report/ed/2021/</a:t>
+            </a:r>
+            <a:r>
+              <a:rPr lang="en-US" dirty="0">
+                <a:solidFill>
+                  <a:srgbClr val="24292E"/>
+                </a:solidFill>
+                <a:latin typeface="Times New Roman" panose="02020603050405020304" pitchFamily="18" charset="0"/>
+                <a:cs typeface="Times New Roman" panose="02020603050405020304" pitchFamily="18" charset="0"/>
+              </a:rPr>
+              <a:t> </a:t>
+            </a:r>
+            <a:r>
+              <a:rPr lang="en-US" dirty="0">
+                <a:solidFill>
+                  <a:srgbClr val="24292E"/>
+                </a:solidFill>
+                <a:latin typeface="Times New Roman" panose="02020603050405020304" pitchFamily="18" charset="0"/>
+                <a:cs typeface="Times New Roman" panose="02020603050405020304" pitchFamily="18" charset="0"/>
+                <a:hlinkClick r:id="rId5"/>
+              </a:rPr>
+              <a:t>https://worldhappiness.report/ed/2020/</a:t>
+            </a:r>
+            <a:endParaRPr lang="en-US" dirty="0">
+              <a:solidFill>
+                <a:srgbClr val="24292E"/>
+              </a:solidFill>
+              <a:latin typeface="Times New Roman" panose="02020603050405020304" pitchFamily="18" charset="0"/>
+              <a:cs typeface="Times New Roman" panose="02020603050405020304" pitchFamily="18" charset="0"/>
+            </a:endParaRPr>
+          </a:p>
+          <a:p>
+            <a:r>
+              <a:rPr lang="en-US" dirty="0">
+                <a:solidFill>
+                  <a:srgbClr val="24292E"/>
+                </a:solidFill>
+                <a:latin typeface="Times New Roman" panose="02020603050405020304" pitchFamily="18" charset="0"/>
+                <a:cs typeface="Times New Roman" panose="02020603050405020304" pitchFamily="18" charset="0"/>
+              </a:rPr>
+              <a:t>World Happiness Report 2021 use data that come from the Gallup World Poll surveys from 2018 to 2020. </a:t>
+            </a:r>
+          </a:p>
+          <a:p>
+            <a:r>
+              <a:rPr lang="en-US" dirty="0" err="1">
+                <a:solidFill>
+                  <a:srgbClr val="24292E"/>
+                </a:solidFill>
+                <a:latin typeface="Times New Roman" panose="02020603050405020304" pitchFamily="18" charset="0"/>
+                <a:cs typeface="Times New Roman" panose="02020603050405020304" pitchFamily="18" charset="0"/>
+              </a:rPr>
+              <a:t>Cantril</a:t>
+            </a:r>
+            <a:r>
+              <a:rPr lang="en-US" dirty="0">
+                <a:solidFill>
+                  <a:srgbClr val="24292E"/>
+                </a:solidFill>
+                <a:latin typeface="Times New Roman" panose="02020603050405020304" pitchFamily="18" charset="0"/>
+                <a:cs typeface="Times New Roman" panose="02020603050405020304" pitchFamily="18" charset="0"/>
+              </a:rPr>
+              <a:t> ladder – the measurement of happiness: </a:t>
+            </a:r>
+          </a:p>
+          <a:p>
+            <a:r>
+              <a:rPr lang="en-US" dirty="0">
+                <a:solidFill>
+                  <a:srgbClr val="24292E"/>
+                </a:solidFill>
+                <a:latin typeface="Times New Roman" panose="02020603050405020304" pitchFamily="18" charset="0"/>
+                <a:cs typeface="Times New Roman" panose="02020603050405020304" pitchFamily="18" charset="0"/>
+              </a:rPr>
+              <a:t>the best possible life for them being a 10</a:t>
+            </a:r>
+          </a:p>
+          <a:p>
+            <a:r>
+              <a:rPr lang="en-US" dirty="0">
+                <a:solidFill>
+                  <a:srgbClr val="24292E"/>
+                </a:solidFill>
+                <a:latin typeface="Times New Roman" panose="02020603050405020304" pitchFamily="18" charset="0"/>
+                <a:cs typeface="Times New Roman" panose="02020603050405020304" pitchFamily="18" charset="0"/>
+              </a:rPr>
+              <a:t>the worst possible life being a 0</a:t>
+            </a:r>
+          </a:p>
+          <a:p>
+            <a:r>
+              <a:rPr lang="en-US" dirty="0">
+                <a:solidFill>
+                  <a:srgbClr val="24292E"/>
+                </a:solidFill>
+                <a:latin typeface="Times New Roman" panose="02020603050405020304" pitchFamily="18" charset="0"/>
+                <a:cs typeface="Times New Roman" panose="02020603050405020304" pitchFamily="18" charset="0"/>
+              </a:rPr>
+              <a:t>Rating of their own current lives on that 0 to 10 scale. </a:t>
+            </a:r>
+          </a:p>
+          <a:p>
+            <a:endParaRPr lang="en-US" dirty="0">
+              <a:solidFill>
+                <a:srgbClr val="24292E"/>
+              </a:solidFill>
+              <a:latin typeface="Times New Roman" panose="02020603050405020304" pitchFamily="18" charset="0"/>
+              <a:cs typeface="Times New Roman" panose="02020603050405020304" pitchFamily="18" charset="0"/>
+            </a:endParaRPr>
+          </a:p>
+          <a:p>
+            <a:endParaRPr lang="en-US" dirty="0">
+              <a:solidFill>
+                <a:srgbClr val="24292E"/>
+              </a:solidFill>
+              <a:latin typeface="Times New Roman" panose="02020603050405020304" pitchFamily="18" charset="0"/>
+              <a:cs typeface="Times New Roman" panose="02020603050405020304" pitchFamily="18" charset="0"/>
+            </a:endParaRPr>
+          </a:p>
+        </p:txBody>
+      </p:sp>
+      <p:pic>
+        <p:nvPicPr>
+          <p:cNvPr id="6" name="Picture 5">
+            <a:extLst>
+              <a:ext uri="{FF2B5EF4-FFF2-40B4-BE49-F238E27FC236}">
+                <a16:creationId xmlns:a16="http://schemas.microsoft.com/office/drawing/2014/main" id="{73C8DC1C-0964-714C-BA35-CB402520CD4D}"/>
+              </a:ext>
+            </a:extLst>
+          </p:cNvPr>
+          <p:cNvPicPr>
+            <a:picLocks noChangeAspect="1"/>
+          </p:cNvPicPr>
           <p:nvPr/>
-        </p:nvSpPr>
+        </p:nvPicPr>
+        <p:blipFill>
+          <a:blip r:embed="rId6"/>
+          <a:stretch>
+            <a:fillRect/>
+          </a:stretch>
+        </p:blipFill>
         <p:spPr>
           <a:xfrm>
-            <a:off x="201501" y="1934676"/>
-            <a:ext cx="2268570" cy="338554"/>
+            <a:off x="5735782" y="4788723"/>
+            <a:ext cx="5593278" cy="1651559"/>
           </a:xfrm>
           <a:prstGeom prst="rect">
             <a:avLst/>
           </a:prstGeom>
-          <a:noFill/>
         </p:spPr>
-        <p:txBody>
-          <a:bodyPr wrap="none" rtlCol="0">
-            <a:spAutoFit/>
-          </a:bodyPr>
-          <a:lstStyle/>
-          <a:p>
-            <a:r>
-              <a:rPr lang="en-US" sz="1600" dirty="0">
-                <a:latin typeface="Times New Roman" panose="02020603050405020304" pitchFamily="18" charset="0"/>
-                <a:cs typeface="Times New Roman" panose="02020603050405020304" pitchFamily="18" charset="0"/>
-              </a:rPr>
-              <a:t>Happiness_2021 (n=149)</a:t>
-            </a:r>
-          </a:p>
-        </p:txBody>
-      </p:sp>
-      <p:sp>
-        <p:nvSpPr>
-          <p:cNvPr id="36" name="TextBox 35">
-            <a:extLst>
-              <a:ext uri="{FF2B5EF4-FFF2-40B4-BE49-F238E27FC236}">
-                <a16:creationId xmlns:a16="http://schemas.microsoft.com/office/drawing/2014/main" id="{22FDBBCC-AEFA-DD42-A63A-03945652C352}"/>
-              </a:ext>
-            </a:extLst>
-          </p:cNvPr>
-          <p:cNvSpPr txBox="1"/>
+      </p:pic>
+    </p:spTree>
+    <p:extLst>
+      <p:ext uri="{BB962C8B-B14F-4D97-AF65-F5344CB8AC3E}">
+        <p14:creationId xmlns:p14="http://schemas.microsoft.com/office/powerpoint/2010/main" val="2523742125"/>
+      </p:ext>
+    </p:extLst>
+  </p:cSld>
+  <p:clrMapOvr>
+    <a:masterClrMapping/>
+  </p:clrMapOvr>
+</p:sld>
+</file>
+
+<file path=ppt/slides/slide3.xml><?xml version="1.0" encoding="utf-8"?>
+<p:sld xmlns:a="http://schemas.openxmlformats.org/drawingml/2006/main" xmlns:r="http://schemas.openxmlformats.org/officeDocument/2006/relationships" xmlns:p="http://schemas.openxmlformats.org/presentationml/2006/main">
+  <p:cSld>
+    <p:spTree>
+      <p:nvGrpSpPr>
+        <p:cNvPr id="1" name=""/>
+        <p:cNvGrpSpPr/>
+        <p:nvPr/>
+      </p:nvGrpSpPr>
+      <p:grpSpPr>
+        <a:xfrm>
+          <a:off x="0" y="0"/>
+          <a:ext cx="0" cy="0"/>
+          <a:chOff x="0" y="0"/>
+          <a:chExt cx="0" cy="0"/>
+        </a:xfrm>
+      </p:grpSpPr>
+      <p:sp>
+        <p:nvSpPr>
+          <p:cNvPr id="4" name="Rectangle 3">
+            <a:extLst>
+              <a:ext uri="{FF2B5EF4-FFF2-40B4-BE49-F238E27FC236}">
+                <a16:creationId xmlns:a16="http://schemas.microsoft.com/office/drawing/2014/main" id="{99F01A5D-708C-B044-92CD-AA882C97C2B2}"/>
+              </a:ext>
+            </a:extLst>
+          </p:cNvPr>
+          <p:cNvSpPr/>
           <p:nvPr/>
         </p:nvSpPr>
         <p:spPr>
           <a:xfrm>
-            <a:off x="235367" y="2673340"/>
-            <a:ext cx="2159566" cy="338554"/>
+            <a:off x="447304" y="452228"/>
+            <a:ext cx="8114805" cy="5816977"/>
           </a:xfrm>
           <a:prstGeom prst="rect">
             <a:avLst/>
           </a:prstGeom>
-          <a:noFill/>
         </p:spPr>
         <p:txBody>
-          <a:bodyPr wrap="none" rtlCol="0">
+          <a:bodyPr wrap="square">
             <a:spAutoFit/>
           </a:bodyPr>
           <a:lstStyle/>
           <a:p>
             <a:r>
-              <a:rPr lang="en-US" sz="1600" dirty="0" err="1">
-                <a:latin typeface="Times New Roman" panose="02020603050405020304" pitchFamily="18" charset="0"/>
-                <a:cs typeface="Times New Roman" panose="02020603050405020304" pitchFamily="18" charset="0"/>
-              </a:rPr>
-              <a:t>Covid_API_df</a:t>
-            </a:r>
-            <a:r>
-              <a:rPr lang="en-US" sz="1600" dirty="0">
-                <a:latin typeface="Times New Roman" panose="02020603050405020304" pitchFamily="18" charset="0"/>
-                <a:cs typeface="Times New Roman" panose="02020603050405020304" pitchFamily="18" charset="0"/>
-              </a:rPr>
-              <a:t> (n= 180)</a:t>
-            </a:r>
-          </a:p>
-        </p:txBody>
-      </p:sp>
-      <p:sp>
-        <p:nvSpPr>
-          <p:cNvPr id="39" name="TextBox 38">
-            <a:extLst>
-              <a:ext uri="{FF2B5EF4-FFF2-40B4-BE49-F238E27FC236}">
-                <a16:creationId xmlns:a16="http://schemas.microsoft.com/office/drawing/2014/main" id="{C394A148-8865-C346-97B4-F7EDAAB82659}"/>
-              </a:ext>
-            </a:extLst>
-          </p:cNvPr>
-          <p:cNvSpPr txBox="1"/>
+              <a:rPr lang="en-US" sz="2400" b="1" dirty="0">
+                <a:solidFill>
+                  <a:srgbClr val="24292E"/>
+                </a:solidFill>
+                <a:latin typeface="Times New Roman" panose="02020603050405020304" pitchFamily="18" charset="0"/>
+                <a:cs typeface="Times New Roman" panose="02020603050405020304" pitchFamily="18" charset="0"/>
+              </a:rPr>
+              <a:t>In this project, we are diving into the World Happiness Report (2020 and 2021) and Covid-19-API.</a:t>
+            </a:r>
+          </a:p>
+          <a:p>
+            <a:endParaRPr lang="en-US" b="1" dirty="0">
+              <a:solidFill>
+                <a:srgbClr val="24292E"/>
+              </a:solidFill>
+              <a:latin typeface="Times New Roman" panose="02020603050405020304" pitchFamily="18" charset="0"/>
+              <a:cs typeface="Times New Roman" panose="02020603050405020304" pitchFamily="18" charset="0"/>
+            </a:endParaRPr>
+          </a:p>
+          <a:p>
+            <a:r>
+              <a:rPr lang="en-US" b="1" dirty="0">
+                <a:solidFill>
+                  <a:srgbClr val="24292E"/>
+                </a:solidFill>
+                <a:latin typeface="Times New Roman" panose="02020603050405020304" pitchFamily="18" charset="0"/>
+                <a:cs typeface="Times New Roman" panose="02020603050405020304" pitchFamily="18" charset="0"/>
+              </a:rPr>
+              <a:t>Data Source:</a:t>
+            </a:r>
+          </a:p>
+          <a:p>
+            <a:endParaRPr lang="en-US" b="1" dirty="0">
+              <a:solidFill>
+                <a:srgbClr val="24292E"/>
+              </a:solidFill>
+              <a:latin typeface="Times New Roman" panose="02020603050405020304" pitchFamily="18" charset="0"/>
+              <a:cs typeface="Times New Roman" panose="02020603050405020304" pitchFamily="18" charset="0"/>
+            </a:endParaRPr>
+          </a:p>
+          <a:p>
+            <a:pPr marL="285750" indent="-285750">
+              <a:buFont typeface="Arial" panose="020B0604020202020204" pitchFamily="34" charset="0"/>
+              <a:buChar char="•"/>
+            </a:pPr>
+            <a:r>
+              <a:rPr lang="en-US" dirty="0">
+                <a:solidFill>
+                  <a:srgbClr val="24292E"/>
+                </a:solidFill>
+                <a:latin typeface="Times New Roman" panose="02020603050405020304" pitchFamily="18" charset="0"/>
+                <a:cs typeface="Times New Roman" panose="02020603050405020304" pitchFamily="18" charset="0"/>
+                <a:hlinkClick r:id="rId2"/>
+              </a:rPr>
+              <a:t>https://worldhappiness.report/</a:t>
+            </a:r>
+            <a:endParaRPr lang="en-US" dirty="0">
+              <a:solidFill>
+                <a:srgbClr val="24292E"/>
+              </a:solidFill>
+              <a:latin typeface="Times New Roman" panose="02020603050405020304" pitchFamily="18" charset="0"/>
+              <a:cs typeface="Times New Roman" panose="02020603050405020304" pitchFamily="18" charset="0"/>
+            </a:endParaRPr>
+          </a:p>
+          <a:p>
+            <a:endParaRPr lang="en-US" b="1" dirty="0">
+              <a:solidFill>
+                <a:srgbClr val="24292E"/>
+              </a:solidFill>
+              <a:latin typeface="Times New Roman" panose="02020603050405020304" pitchFamily="18" charset="0"/>
+              <a:cs typeface="Times New Roman" panose="02020603050405020304" pitchFamily="18" charset="0"/>
+            </a:endParaRPr>
+          </a:p>
+          <a:p>
+            <a:pPr marL="285750" indent="-285750">
+              <a:buFont typeface="Arial" panose="020B0604020202020204" pitchFamily="34" charset="0"/>
+              <a:buChar char="•"/>
+            </a:pPr>
+            <a:r>
+              <a:rPr lang="en-US" dirty="0">
+                <a:solidFill>
+                  <a:srgbClr val="24292E"/>
+                </a:solidFill>
+                <a:latin typeface="Times New Roman" panose="02020603050405020304" pitchFamily="18" charset="0"/>
+                <a:cs typeface="Times New Roman" panose="02020603050405020304" pitchFamily="18" charset="0"/>
+                <a:hlinkClick r:id="rId3"/>
+              </a:rPr>
+              <a:t>https://github.com/M-Media-Group/Covid-19-API</a:t>
+            </a:r>
+            <a:endParaRPr lang="en-US" dirty="0">
+              <a:solidFill>
+                <a:srgbClr val="24292E"/>
+              </a:solidFill>
+              <a:latin typeface="Times New Roman" panose="02020603050405020304" pitchFamily="18" charset="0"/>
+              <a:cs typeface="Times New Roman" panose="02020603050405020304" pitchFamily="18" charset="0"/>
+            </a:endParaRPr>
+          </a:p>
+          <a:p>
+            <a:pPr>
+              <a:buFont typeface="Arial" panose="020B0604020202020204" pitchFamily="34" charset="0"/>
+              <a:buChar char="•"/>
+            </a:pPr>
+            <a:endParaRPr lang="en-US" dirty="0">
+              <a:solidFill>
+                <a:srgbClr val="24292E"/>
+              </a:solidFill>
+              <a:latin typeface="Times New Roman" panose="02020603050405020304" pitchFamily="18" charset="0"/>
+              <a:cs typeface="Times New Roman" panose="02020603050405020304" pitchFamily="18" charset="0"/>
+            </a:endParaRPr>
+          </a:p>
+          <a:p>
+            <a:r>
+              <a:rPr lang="en-US" b="1" dirty="0">
+                <a:solidFill>
+                  <a:srgbClr val="24292E"/>
+                </a:solidFill>
+                <a:latin typeface="Times New Roman" panose="02020603050405020304" pitchFamily="18" charset="0"/>
+                <a:cs typeface="Times New Roman" panose="02020603050405020304" pitchFamily="18" charset="0"/>
+              </a:rPr>
+              <a:t>Datasets:</a:t>
+            </a:r>
+          </a:p>
+          <a:p>
+            <a:endParaRPr lang="en-US" b="1" dirty="0">
+              <a:solidFill>
+                <a:srgbClr val="24292E"/>
+              </a:solidFill>
+              <a:latin typeface="Times New Roman" panose="02020603050405020304" pitchFamily="18" charset="0"/>
+              <a:cs typeface="Times New Roman" panose="02020603050405020304" pitchFamily="18" charset="0"/>
+            </a:endParaRPr>
+          </a:p>
+          <a:p>
+            <a:r>
+              <a:rPr lang="en-US" b="1" dirty="0">
+                <a:solidFill>
+                  <a:srgbClr val="24292E"/>
+                </a:solidFill>
+                <a:latin typeface="Times New Roman" panose="02020603050405020304" pitchFamily="18" charset="0"/>
+                <a:cs typeface="Times New Roman" panose="02020603050405020304" pitchFamily="18" charset="0"/>
+              </a:rPr>
+              <a:t>Part II: Live cases data from Covid-19-API (updated once every hour)</a:t>
+            </a:r>
+          </a:p>
+          <a:p>
+            <a:r>
+              <a:rPr lang="en-US" dirty="0">
+                <a:solidFill>
+                  <a:srgbClr val="24292E"/>
+                </a:solidFill>
+                <a:latin typeface="Times New Roman" panose="02020603050405020304" pitchFamily="18" charset="0"/>
+                <a:cs typeface="Times New Roman" panose="02020603050405020304" pitchFamily="18" charset="0"/>
+                <a:hlinkClick r:id="rId4"/>
+              </a:rPr>
+              <a:t>https://covid-api.mmediagroup.fr/v1/cases</a:t>
+            </a:r>
+            <a:endParaRPr lang="en-US" dirty="0">
+              <a:solidFill>
+                <a:srgbClr val="24292E"/>
+              </a:solidFill>
+              <a:latin typeface="Times New Roman" panose="02020603050405020304" pitchFamily="18" charset="0"/>
+              <a:cs typeface="Times New Roman" panose="02020603050405020304" pitchFamily="18" charset="0"/>
+            </a:endParaRPr>
+          </a:p>
+          <a:p>
+            <a:r>
+              <a:rPr lang="en-US" dirty="0">
+                <a:latin typeface="Times New Roman" panose="02020603050405020304" pitchFamily="18" charset="0"/>
+                <a:cs typeface="Times New Roman" panose="02020603050405020304" pitchFamily="18" charset="0"/>
+              </a:rPr>
+              <a:t>Population data: </a:t>
+            </a:r>
+          </a:p>
+          <a:p>
+            <a:r>
+              <a:rPr lang="en-US" dirty="0">
+                <a:latin typeface="Times New Roman" panose="02020603050405020304" pitchFamily="18" charset="0"/>
+                <a:cs typeface="Times New Roman" panose="02020603050405020304" pitchFamily="18" charset="0"/>
+                <a:hlinkClick r:id="rId5"/>
+              </a:rPr>
+              <a:t>https://github.com/M-Media-Group/country-json/blob/master/src/countries-master.json</a:t>
+            </a:r>
+            <a:endParaRPr lang="en-US" dirty="0">
+              <a:solidFill>
+                <a:srgbClr val="24292E"/>
+              </a:solidFill>
+              <a:latin typeface="Times New Roman" panose="02020603050405020304" pitchFamily="18" charset="0"/>
+              <a:cs typeface="Times New Roman" panose="02020603050405020304" pitchFamily="18" charset="0"/>
+            </a:endParaRPr>
+          </a:p>
+          <a:p>
+            <a:r>
+              <a:rPr lang="en-US" dirty="0">
+                <a:latin typeface="Times New Roman" panose="02020603050405020304" pitchFamily="18" charset="0"/>
+                <a:cs typeface="Times New Roman" panose="02020603050405020304" pitchFamily="18" charset="0"/>
+              </a:rPr>
+              <a:t>Request: GET </a:t>
+            </a:r>
+            <a:r>
+              <a:rPr lang="en-US" dirty="0">
+                <a:latin typeface="Times New Roman" panose="02020603050405020304" pitchFamily="18" charset="0"/>
+                <a:cs typeface="Times New Roman" panose="02020603050405020304" pitchFamily="18" charset="0"/>
+                <a:hlinkClick r:id="rId4"/>
+              </a:rPr>
+              <a:t>/cases</a:t>
+            </a:r>
+            <a:r>
+              <a:rPr lang="en-US" dirty="0">
+                <a:latin typeface="Times New Roman" panose="02020603050405020304" pitchFamily="18" charset="0"/>
+                <a:cs typeface="Times New Roman" panose="02020603050405020304" pitchFamily="18" charset="0"/>
+              </a:rPr>
+              <a:t> </a:t>
+            </a:r>
+          </a:p>
+          <a:p>
+            <a:r>
+              <a:rPr lang="en-US" dirty="0">
+                <a:latin typeface="Times New Roman" panose="02020603050405020304" pitchFamily="18" charset="0"/>
+                <a:cs typeface="Times New Roman" panose="02020603050405020304" pitchFamily="18" charset="0"/>
+              </a:rPr>
+              <a:t>               GET </a:t>
+            </a:r>
+            <a:r>
+              <a:rPr lang="en-US" u="sng" dirty="0">
+                <a:latin typeface="Times New Roman" panose="02020603050405020304" pitchFamily="18" charset="0"/>
+                <a:cs typeface="Times New Roman" panose="02020603050405020304" pitchFamily="18" charset="0"/>
+                <a:hlinkClick r:id="rId6"/>
+              </a:rPr>
+              <a:t>/history</a:t>
+            </a:r>
+            <a:r>
+              <a:rPr lang="en-US" dirty="0">
+                <a:latin typeface="Times New Roman" panose="02020603050405020304" pitchFamily="18" charset="0"/>
+                <a:cs typeface="Times New Roman" panose="02020603050405020304" pitchFamily="18" charset="0"/>
+              </a:rPr>
+              <a:t> </a:t>
+            </a:r>
+          </a:p>
+          <a:p>
+            <a:r>
+              <a:rPr lang="en-US" dirty="0">
+                <a:latin typeface="Times New Roman" panose="02020603050405020304" pitchFamily="18" charset="0"/>
+                <a:cs typeface="Times New Roman" panose="02020603050405020304" pitchFamily="18" charset="0"/>
+              </a:rPr>
+              <a:t>               GET </a:t>
+            </a:r>
+            <a:r>
+              <a:rPr lang="en-US" u="sng" dirty="0">
+                <a:latin typeface="Times New Roman" panose="02020603050405020304" pitchFamily="18" charset="0"/>
+                <a:cs typeface="Times New Roman" panose="02020603050405020304" pitchFamily="18" charset="0"/>
+                <a:hlinkClick r:id="rId7"/>
+              </a:rPr>
+              <a:t>/vaccines</a:t>
+            </a:r>
+            <a:endParaRPr lang="en-US" dirty="0">
+              <a:latin typeface="Times New Roman" panose="02020603050405020304" pitchFamily="18" charset="0"/>
+              <a:cs typeface="Times New Roman" panose="02020603050405020304" pitchFamily="18" charset="0"/>
+            </a:endParaRPr>
+          </a:p>
+          <a:p>
+            <a:r>
+              <a:rPr lang="en-US" dirty="0">
+                <a:latin typeface="Times New Roman" panose="02020603050405020304" pitchFamily="18" charset="0"/>
+                <a:cs typeface="Times New Roman" panose="02020603050405020304" pitchFamily="18" charset="0"/>
+              </a:rPr>
+              <a:t>For cases data: Optional query parameters, country/ab/continent</a:t>
+            </a:r>
+          </a:p>
+        </p:txBody>
+      </p:sp>
+      <p:pic>
+        <p:nvPicPr>
+          <p:cNvPr id="5" name="Picture 4">
+            <a:extLst>
+              <a:ext uri="{FF2B5EF4-FFF2-40B4-BE49-F238E27FC236}">
+                <a16:creationId xmlns:a16="http://schemas.microsoft.com/office/drawing/2014/main" id="{88EE9BE5-A194-6B4F-96EB-2722969D2D48}"/>
+              </a:ext>
+            </a:extLst>
+          </p:cNvPr>
+          <p:cNvPicPr>
+            <a:picLocks noChangeAspect="1"/>
+          </p:cNvPicPr>
           <p:nvPr/>
-        </p:nvSpPr>
+        </p:nvPicPr>
+        <p:blipFill>
+          <a:blip r:embed="rId8"/>
+          <a:stretch>
+            <a:fillRect/>
+          </a:stretch>
+        </p:blipFill>
         <p:spPr>
           <a:xfrm>
-            <a:off x="2470071" y="1750010"/>
-            <a:ext cx="710451" cy="338554"/>
+            <a:off x="7509165" y="3360717"/>
+            <a:ext cx="4494017" cy="2996011"/>
           </a:xfrm>
           <a:prstGeom prst="rect">
             <a:avLst/>
           </a:prstGeom>
-          <a:noFill/>
         </p:spPr>
-        <p:txBody>
-          <a:bodyPr wrap="none" rtlCol="0">
-            <a:spAutoFit/>
-          </a:bodyPr>
-          <a:lstStyle/>
-          <a:p>
-            <a:r>
-              <a:rPr lang="en-US" sz="1600" dirty="0">
-                <a:latin typeface="Times New Roman" panose="02020603050405020304" pitchFamily="18" charset="0"/>
-                <a:cs typeface="Times New Roman" panose="02020603050405020304" pitchFamily="18" charset="0"/>
-              </a:rPr>
-              <a:t>n=148</a:t>
-            </a:r>
-          </a:p>
-        </p:txBody>
-      </p:sp>
-      <p:sp>
-        <p:nvSpPr>
-          <p:cNvPr id="46" name="TextBox 45">
-            <a:extLst>
-              <a:ext uri="{FF2B5EF4-FFF2-40B4-BE49-F238E27FC236}">
-                <a16:creationId xmlns:a16="http://schemas.microsoft.com/office/drawing/2014/main" id="{53AC979E-CFDB-F647-9681-E7CF6CC2FD9B}"/>
-              </a:ext>
-            </a:extLst>
-          </p:cNvPr>
-          <p:cNvSpPr txBox="1"/>
+      </p:pic>
+    </p:spTree>
+    <p:extLst>
+      <p:ext uri="{BB962C8B-B14F-4D97-AF65-F5344CB8AC3E}">
+        <p14:creationId xmlns:p14="http://schemas.microsoft.com/office/powerpoint/2010/main" val="1369505934"/>
+      </p:ext>
+    </p:extLst>
+  </p:cSld>
+  <p:clrMapOvr>
+    <a:masterClrMapping/>
+  </p:clrMapOvr>
+</p:sld>
+</file>
+
+<file path=ppt/slides/slide4.xml><?xml version="1.0" encoding="utf-8"?>
+<p:sld xmlns:a="http://schemas.openxmlformats.org/drawingml/2006/main" xmlns:r="http://schemas.openxmlformats.org/officeDocument/2006/relationships" xmlns:p="http://schemas.openxmlformats.org/presentationml/2006/main">
+  <p:cSld>
+    <p:spTree>
+      <p:nvGrpSpPr>
+        <p:cNvPr id="1" name=""/>
+        <p:cNvGrpSpPr/>
+        <p:nvPr/>
+      </p:nvGrpSpPr>
+      <p:grpSpPr>
+        <a:xfrm>
+          <a:off x="0" y="0"/>
+          <a:ext cx="0" cy="0"/>
+          <a:chOff x="0" y="0"/>
+          <a:chExt cx="0" cy="0"/>
+        </a:xfrm>
+      </p:grpSpPr>
+      <p:sp>
+        <p:nvSpPr>
+          <p:cNvPr id="4" name="Rectangle 3">
+            <a:extLst>
+              <a:ext uri="{FF2B5EF4-FFF2-40B4-BE49-F238E27FC236}">
+                <a16:creationId xmlns:a16="http://schemas.microsoft.com/office/drawing/2014/main" id="{270C5486-6C6D-014D-A8A7-554607CFF557}"/>
+              </a:ext>
+            </a:extLst>
+          </p:cNvPr>
+          <p:cNvSpPr/>
           <p:nvPr/>
         </p:nvSpPr>
         <p:spPr>
           <a:xfrm>
-            <a:off x="5571399" y="2140613"/>
-            <a:ext cx="1380506" cy="338554"/>
+            <a:off x="878774" y="533722"/>
+            <a:ext cx="10735294" cy="3349956"/>
           </a:xfrm>
           <a:prstGeom prst="rect">
             <a:avLst/>
           </a:prstGeom>
-          <a:noFill/>
         </p:spPr>
         <p:txBody>
-          <a:bodyPr wrap="none" rtlCol="0">
+          <a:bodyPr wrap="square">
             <a:spAutoFit/>
           </a:bodyPr>
           <a:lstStyle/>
           <a:p>
-            <a:r>
-              <a:rPr lang="en-US" sz="1600" dirty="0" err="1">
-                <a:latin typeface="Times New Roman" panose="02020603050405020304" pitchFamily="18" charset="0"/>
-                <a:cs typeface="Times New Roman" panose="02020603050405020304" pitchFamily="18" charset="0"/>
-              </a:rPr>
-              <a:t>all_df</a:t>
-            </a:r>
-            <a:r>
-              <a:rPr lang="en-US" sz="1600" dirty="0">
-                <a:latin typeface="Times New Roman" panose="02020603050405020304" pitchFamily="18" charset="0"/>
-                <a:cs typeface="Times New Roman" panose="02020603050405020304" pitchFamily="18" charset="0"/>
-              </a:rPr>
-              <a:t> (n=133)</a:t>
-            </a:r>
-          </a:p>
-        </p:txBody>
-      </p:sp>
-      <p:sp>
-        <p:nvSpPr>
-          <p:cNvPr id="48" name="TextBox 47">
-            <a:extLst>
-              <a:ext uri="{FF2B5EF4-FFF2-40B4-BE49-F238E27FC236}">
-                <a16:creationId xmlns:a16="http://schemas.microsoft.com/office/drawing/2014/main" id="{17AEF803-56D0-5546-BFC0-503BAB55423E}"/>
-              </a:ext>
-            </a:extLst>
-          </p:cNvPr>
-          <p:cNvSpPr txBox="1"/>
-          <p:nvPr/>
-        </p:nvSpPr>
-        <p:spPr>
-          <a:xfrm>
-            <a:off x="6904042" y="1762469"/>
-            <a:ext cx="2980303" cy="1077218"/>
-          </a:xfrm>
-          <a:prstGeom prst="rect">
-            <a:avLst/>
-          </a:prstGeom>
-          <a:noFill/>
-        </p:spPr>
-        <p:txBody>
-          <a:bodyPr wrap="none" rtlCol="0">
-            <a:spAutoFit/>
-          </a:bodyPr>
-          <a:lstStyle/>
-          <a:p>
-            <a:r>
-              <a:rPr lang="en-US" sz="1600" dirty="0">
-                <a:latin typeface="Times New Roman" panose="02020603050405020304" pitchFamily="18" charset="0"/>
-                <a:cs typeface="Times New Roman" panose="02020603050405020304" pitchFamily="18" charset="0"/>
-              </a:rPr>
-              <a:t>Normalization by total population</a:t>
-            </a:r>
-          </a:p>
-          <a:p>
-            <a:r>
-              <a:rPr lang="en-US" sz="1600" dirty="0">
-                <a:latin typeface="Times New Roman" panose="02020603050405020304" pitchFamily="18" charset="0"/>
-                <a:cs typeface="Times New Roman" panose="02020603050405020304" pitchFamily="18" charset="0"/>
-              </a:rPr>
-              <a:t>Score difference (2021 – 2020)</a:t>
-            </a:r>
-          </a:p>
-          <a:p>
-            <a:r>
-              <a:rPr lang="en-US" sz="1600" dirty="0">
-                <a:latin typeface="Times New Roman" panose="02020603050405020304" pitchFamily="18" charset="0"/>
-                <a:cs typeface="Times New Roman" panose="02020603050405020304" pitchFamily="18" charset="0"/>
-              </a:rPr>
-              <a:t>Relationship by scatter plot</a:t>
-            </a:r>
-          </a:p>
-          <a:p>
-            <a:r>
-              <a:rPr lang="en-US" sz="1600" dirty="0">
-                <a:latin typeface="Times New Roman" panose="02020603050405020304" pitchFamily="18" charset="0"/>
-                <a:cs typeface="Times New Roman" panose="02020603050405020304" pitchFamily="18" charset="0"/>
-              </a:rPr>
-              <a:t>Linear regression</a:t>
-            </a:r>
-          </a:p>
-        </p:txBody>
-      </p:sp>
+            <a:pPr>
+              <a:lnSpc>
+                <a:spcPct val="150000"/>
+              </a:lnSpc>
+            </a:pPr>
+            <a:r>
+              <a:rPr lang="en-US" sz="2400" b="1" dirty="0">
+                <a:solidFill>
+                  <a:srgbClr val="24292E"/>
+                </a:solidFill>
+                <a:latin typeface="Times New Roman" panose="02020603050405020304" pitchFamily="18" charset="0"/>
+                <a:cs typeface="Times New Roman" panose="02020603050405020304" pitchFamily="18" charset="0"/>
+              </a:rPr>
+              <a:t>Analysis Goals</a:t>
+            </a:r>
+          </a:p>
+          <a:p>
+            <a:pPr marL="457200" indent="-457200">
+              <a:lnSpc>
+                <a:spcPct val="150000"/>
+              </a:lnSpc>
+              <a:buAutoNum type="arabicPeriod"/>
+            </a:pPr>
+            <a:r>
+              <a:rPr lang="en-US" sz="2400" dirty="0">
+                <a:solidFill>
+                  <a:srgbClr val="24292E"/>
+                </a:solidFill>
+                <a:latin typeface="Times New Roman" panose="02020603050405020304" pitchFamily="18" charset="0"/>
+                <a:cs typeface="Times New Roman" panose="02020603050405020304" pitchFamily="18" charset="0"/>
+              </a:rPr>
+              <a:t>What are the top 10 happiest countries pre-pandemic?</a:t>
+            </a:r>
+          </a:p>
+          <a:p>
+            <a:pPr marL="457200" indent="-457200">
+              <a:lnSpc>
+                <a:spcPct val="150000"/>
+              </a:lnSpc>
+              <a:buAutoNum type="arabicPeriod"/>
+            </a:pPr>
+            <a:r>
+              <a:rPr lang="en-US" sz="2400" dirty="0">
+                <a:solidFill>
+                  <a:srgbClr val="24292E"/>
+                </a:solidFill>
+                <a:latin typeface="Times New Roman" panose="02020603050405020304" pitchFamily="18" charset="0"/>
+                <a:cs typeface="Times New Roman" panose="02020603050405020304" pitchFamily="18" charset="0"/>
+              </a:rPr>
+              <a:t>What are the top 10 happiest countries pre- and during pandemic?</a:t>
+            </a:r>
+          </a:p>
+          <a:p>
+            <a:pPr marL="457200" indent="-457200">
+              <a:lnSpc>
+                <a:spcPct val="150000"/>
+              </a:lnSpc>
+              <a:buAutoNum type="arabicPeriod"/>
+            </a:pPr>
+            <a:r>
+              <a:rPr lang="en-US" sz="2400" dirty="0">
+                <a:solidFill>
+                  <a:srgbClr val="24292E"/>
+                </a:solidFill>
+                <a:latin typeface="Times New Roman" panose="02020603050405020304" pitchFamily="18" charset="0"/>
+                <a:cs typeface="Times New Roman" panose="02020603050405020304" pitchFamily="18" charset="0"/>
+              </a:rPr>
+              <a:t>What is the relationship between </a:t>
+            </a:r>
+            <a:r>
+              <a:rPr lang="en-US" sz="2400" dirty="0" err="1">
+                <a:solidFill>
+                  <a:srgbClr val="24292E"/>
+                </a:solidFill>
+                <a:latin typeface="Times New Roman" panose="02020603050405020304" pitchFamily="18" charset="0"/>
+                <a:cs typeface="Times New Roman" panose="02020603050405020304" pitchFamily="18" charset="0"/>
+              </a:rPr>
+              <a:t>covid</a:t>
+            </a:r>
+            <a:r>
+              <a:rPr lang="en-US" sz="2400" dirty="0">
+                <a:solidFill>
+                  <a:srgbClr val="24292E"/>
+                </a:solidFill>
+                <a:latin typeface="Times New Roman" panose="02020603050405020304" pitchFamily="18" charset="0"/>
+                <a:cs typeface="Times New Roman" panose="02020603050405020304" pitchFamily="18" charset="0"/>
+              </a:rPr>
+              <a:t> cases and happiness?</a:t>
+            </a:r>
+          </a:p>
+          <a:p>
+            <a:pPr marL="457200" indent="-457200">
+              <a:lnSpc>
+                <a:spcPct val="150000"/>
+              </a:lnSpc>
+              <a:buAutoNum type="arabicPeriod"/>
+            </a:pPr>
+            <a:r>
+              <a:rPr lang="en-US" sz="2400" dirty="0">
+                <a:solidFill>
+                  <a:srgbClr val="24292E"/>
+                </a:solidFill>
+                <a:latin typeface="Times New Roman" panose="02020603050405020304" pitchFamily="18" charset="0"/>
+                <a:cs typeface="Times New Roman" panose="02020603050405020304" pitchFamily="18" charset="0"/>
+              </a:rPr>
+              <a:t>What is the relationship between life expectancy and confirmed </a:t>
+            </a:r>
+            <a:r>
+              <a:rPr lang="en-US" sz="2400" dirty="0" err="1">
+                <a:solidFill>
+                  <a:srgbClr val="24292E"/>
+                </a:solidFill>
+                <a:latin typeface="Times New Roman" panose="02020603050405020304" pitchFamily="18" charset="0"/>
+                <a:cs typeface="Times New Roman" panose="02020603050405020304" pitchFamily="18" charset="0"/>
+              </a:rPr>
+              <a:t>covid</a:t>
+            </a:r>
+            <a:r>
+              <a:rPr lang="en-US" sz="2400" dirty="0">
+                <a:solidFill>
+                  <a:srgbClr val="24292E"/>
+                </a:solidFill>
+                <a:latin typeface="Times New Roman" panose="02020603050405020304" pitchFamily="18" charset="0"/>
+                <a:cs typeface="Times New Roman" panose="02020603050405020304" pitchFamily="18" charset="0"/>
+              </a:rPr>
+              <a:t> deaths?</a:t>
+            </a:r>
+          </a:p>
+          <a:p>
+            <a:pPr marL="457200" indent="-457200">
+              <a:lnSpc>
+                <a:spcPct val="150000"/>
+              </a:lnSpc>
+              <a:buAutoNum type="arabicPeriod"/>
+            </a:pPr>
+            <a:r>
+              <a:rPr lang="en-US" sz="2400" dirty="0">
+                <a:solidFill>
+                  <a:srgbClr val="24292E"/>
+                </a:solidFill>
+                <a:latin typeface="Times New Roman" panose="02020603050405020304" pitchFamily="18" charset="0"/>
+                <a:cs typeface="Times New Roman" panose="02020603050405020304" pitchFamily="18" charset="0"/>
+              </a:rPr>
+              <a:t>What is the relationship between GDP per capita and confirmed </a:t>
+            </a:r>
+            <a:r>
+              <a:rPr lang="en-US" sz="2400" dirty="0" err="1">
+                <a:solidFill>
+                  <a:srgbClr val="24292E"/>
+                </a:solidFill>
+                <a:latin typeface="Times New Roman" panose="02020603050405020304" pitchFamily="18" charset="0"/>
+                <a:cs typeface="Times New Roman" panose="02020603050405020304" pitchFamily="18" charset="0"/>
+              </a:rPr>
+              <a:t>covid</a:t>
+            </a:r>
+            <a:r>
+              <a:rPr lang="en-US" sz="2400" dirty="0">
+                <a:solidFill>
+                  <a:srgbClr val="24292E"/>
+                </a:solidFill>
+                <a:latin typeface="Times New Roman" panose="02020603050405020304" pitchFamily="18" charset="0"/>
+                <a:cs typeface="Times New Roman" panose="02020603050405020304" pitchFamily="18" charset="0"/>
+              </a:rPr>
+              <a:t> deaths?</a:t>
+            </a:r>
+            <a:endParaRPr lang="en-US" sz="2400" dirty="0">
+              <a:latin typeface="Times New Roman" panose="02020603050405020304" pitchFamily="18" charset="0"/>
+              <a:cs typeface="Times New Roman" panose="02020603050405020304" pitchFamily="18" charset="0"/>
+            </a:endParaRPr>
+          </a:p>
+        </p:txBody>
+      </p:sp>
+    </p:spTree>
+    <p:extLst>
+      <p:ext uri="{BB962C8B-B14F-4D97-AF65-F5344CB8AC3E}">
+        <p14:creationId xmlns:p14="http://schemas.microsoft.com/office/powerpoint/2010/main" val="1755867054"/>
+      </p:ext>
+    </p:extLst>
+  </p:cSld>
+  <p:clrMapOvr>
+    <a:masterClrMapping/>
+  </p:clrMapOvr>
+</p:sld>
+</file>
+
+<file path=ppt/slides/slide5.xml><?xml version="1.0" encoding="utf-8"?>
+<p:sld xmlns:a="http://schemas.openxmlformats.org/drawingml/2006/main" xmlns:r="http://schemas.openxmlformats.org/officeDocument/2006/relationships" xmlns:p="http://schemas.openxmlformats.org/presentationml/2006/main">
+  <p:cSld>
+    <p:spTree>
+      <p:nvGrpSpPr>
+        <p:cNvPr id="1" name=""/>
+        <p:cNvGrpSpPr/>
+        <p:nvPr/>
+      </p:nvGrpSpPr>
+      <p:grpSpPr>
+        <a:xfrm>
+          <a:off x="0" y="0"/>
+          <a:ext cx="0" cy="0"/>
+          <a:chOff x="0" y="0"/>
+          <a:chExt cx="0" cy="0"/>
+        </a:xfrm>
+      </p:grpSpPr>
       <p:pic>
         <p:nvPicPr>
-          <p:cNvPr id="54" name="Picture 53">
-            <a:extLst>
-              <a:ext uri="{FF2B5EF4-FFF2-40B4-BE49-F238E27FC236}">
-                <a16:creationId xmlns:a16="http://schemas.microsoft.com/office/drawing/2014/main" id="{D78D8C85-1E94-5745-8F52-73C431E5ACE2}"/>
+          <p:cNvPr id="8" name="Picture 7">
+            <a:extLst>
+              <a:ext uri="{FF2B5EF4-FFF2-40B4-BE49-F238E27FC236}">
+                <a16:creationId xmlns:a16="http://schemas.microsoft.com/office/drawing/2014/main" id="{1F0A7A12-E8A3-2041-9A90-97FBB2B10090}"/>
               </a:ext>
             </a:extLst>
           </p:cNvPr>
@@ -3786,14 +4951,433 @@
         </p:blipFill>
         <p:spPr>
           <a:xfrm>
-            <a:off x="1604385" y="3406144"/>
-            <a:ext cx="8417920" cy="3340177"/>
+            <a:off x="387927" y="2098963"/>
+            <a:ext cx="5486400" cy="3657600"/>
           </a:xfrm>
           <a:prstGeom prst="rect">
             <a:avLst/>
           </a:prstGeom>
         </p:spPr>
       </p:pic>
+      <p:pic>
+        <p:nvPicPr>
+          <p:cNvPr id="10" name="Picture 9">
+            <a:extLst>
+              <a:ext uri="{FF2B5EF4-FFF2-40B4-BE49-F238E27FC236}">
+                <a16:creationId xmlns:a16="http://schemas.microsoft.com/office/drawing/2014/main" id="{64D655BB-6044-6E47-856C-6FCF96EE30DE}"/>
+              </a:ext>
+            </a:extLst>
+          </p:cNvPr>
+          <p:cNvPicPr>
+            <a:picLocks noChangeAspect="1"/>
+          </p:cNvPicPr>
+          <p:nvPr/>
+        </p:nvPicPr>
+        <p:blipFill>
+          <a:blip r:embed="rId3"/>
+          <a:stretch>
+            <a:fillRect/>
+          </a:stretch>
+        </p:blipFill>
+        <p:spPr>
+          <a:xfrm>
+            <a:off x="6012871" y="2098963"/>
+            <a:ext cx="5486400" cy="3657600"/>
+          </a:xfrm>
+          <a:prstGeom prst="rect">
+            <a:avLst/>
+          </a:prstGeom>
+        </p:spPr>
+      </p:pic>
+      <p:sp>
+        <p:nvSpPr>
+          <p:cNvPr id="11" name="Title 1">
+            <a:extLst>
+              <a:ext uri="{FF2B5EF4-FFF2-40B4-BE49-F238E27FC236}">
+                <a16:creationId xmlns:a16="http://schemas.microsoft.com/office/drawing/2014/main" id="{C36FDCD4-EAC4-0940-8219-E965CFC2B220}"/>
+              </a:ext>
+            </a:extLst>
+          </p:cNvPr>
+          <p:cNvSpPr>
+            <a:spLocks noGrp="1"/>
+          </p:cNvSpPr>
+          <p:nvPr>
+            <p:ph type="title"/>
+          </p:nvPr>
+        </p:nvSpPr>
+        <p:spPr>
+          <a:xfrm>
+            <a:off x="384261" y="172995"/>
+            <a:ext cx="7873314" cy="1325563"/>
+          </a:xfrm>
+        </p:spPr>
+        <p:txBody>
+          <a:bodyPr>
+            <a:normAutofit/>
+          </a:bodyPr>
+          <a:lstStyle/>
+          <a:p>
+            <a:r>
+              <a:rPr lang="en-US" sz="3000" b="1" dirty="0">
+                <a:latin typeface="Times New Roman" panose="02020603050405020304" pitchFamily="18" charset="0"/>
+                <a:cs typeface="Times New Roman" panose="02020603050405020304" pitchFamily="18" charset="0"/>
+              </a:rPr>
+              <a:t>The top 10 happiest and least happiest countries pre- and during pandemic</a:t>
+            </a:r>
+          </a:p>
+        </p:txBody>
+      </p:sp>
+    </p:spTree>
+    <p:extLst>
+      <p:ext uri="{BB962C8B-B14F-4D97-AF65-F5344CB8AC3E}">
+        <p14:creationId xmlns:p14="http://schemas.microsoft.com/office/powerpoint/2010/main" val="3768515187"/>
+      </p:ext>
+    </p:extLst>
+  </p:cSld>
+  <p:clrMapOvr>
+    <a:masterClrMapping/>
+  </p:clrMapOvr>
+</p:sld>
+</file>
+
+<file path=ppt/slides/slide6.xml><?xml version="1.0" encoding="utf-8"?>
+<p:sld xmlns:a="http://schemas.openxmlformats.org/drawingml/2006/main" xmlns:r="http://schemas.openxmlformats.org/officeDocument/2006/relationships" xmlns:p="http://schemas.openxmlformats.org/presentationml/2006/main">
+  <p:cSld>
+    <p:spTree>
+      <p:nvGrpSpPr>
+        <p:cNvPr id="1" name=""/>
+        <p:cNvGrpSpPr/>
+        <p:nvPr/>
+      </p:nvGrpSpPr>
+      <p:grpSpPr>
+        <a:xfrm>
+          <a:off x="0" y="0"/>
+          <a:ext cx="0" cy="0"/>
+          <a:chOff x="0" y="0"/>
+          <a:chExt cx="0" cy="0"/>
+        </a:xfrm>
+      </p:grpSpPr>
+      <p:sp>
+        <p:nvSpPr>
+          <p:cNvPr id="2" name="Title 1">
+            <a:extLst>
+              <a:ext uri="{FF2B5EF4-FFF2-40B4-BE49-F238E27FC236}">
+                <a16:creationId xmlns:a16="http://schemas.microsoft.com/office/drawing/2014/main" id="{345DF9DE-F051-1A44-A758-CE002A798A2B}"/>
+              </a:ext>
+            </a:extLst>
+          </p:cNvPr>
+          <p:cNvSpPr>
+            <a:spLocks noGrp="1"/>
+          </p:cNvSpPr>
+          <p:nvPr>
+            <p:ph type="title"/>
+          </p:nvPr>
+        </p:nvSpPr>
+        <p:spPr>
+          <a:xfrm>
+            <a:off x="384261" y="172995"/>
+            <a:ext cx="7873314" cy="1325563"/>
+          </a:xfrm>
+        </p:spPr>
+        <p:txBody>
+          <a:bodyPr>
+            <a:normAutofit/>
+          </a:bodyPr>
+          <a:lstStyle/>
+          <a:p>
+            <a:r>
+              <a:rPr lang="en-US" sz="3000" b="1" dirty="0">
+                <a:latin typeface="Times New Roman" panose="02020603050405020304" pitchFamily="18" charset="0"/>
+                <a:cs typeface="Times New Roman" panose="02020603050405020304" pitchFamily="18" charset="0"/>
+              </a:rPr>
+              <a:t>Relationship between </a:t>
+            </a:r>
+            <a:r>
+              <a:rPr lang="en-US" sz="3000" b="1" dirty="0" err="1">
+                <a:latin typeface="Times New Roman" panose="02020603050405020304" pitchFamily="18" charset="0"/>
+                <a:cs typeface="Times New Roman" panose="02020603050405020304" pitchFamily="18" charset="0"/>
+              </a:rPr>
+              <a:t>covid</a:t>
+            </a:r>
+            <a:r>
+              <a:rPr lang="en-US" sz="3000" b="1" dirty="0">
+                <a:latin typeface="Times New Roman" panose="02020603050405020304" pitchFamily="18" charset="0"/>
+                <a:cs typeface="Times New Roman" panose="02020603050405020304" pitchFamily="18" charset="0"/>
+              </a:rPr>
+              <a:t> confirmed cases and happiness score pre- and during pandemic</a:t>
+            </a:r>
+          </a:p>
+        </p:txBody>
+      </p:sp>
+      <p:sp>
+        <p:nvSpPr>
+          <p:cNvPr id="34" name="TextBox 33">
+            <a:extLst>
+              <a:ext uri="{FF2B5EF4-FFF2-40B4-BE49-F238E27FC236}">
+                <a16:creationId xmlns:a16="http://schemas.microsoft.com/office/drawing/2014/main" id="{7670B6BB-E2DC-FA43-AC9D-7199A3B3A32E}"/>
+              </a:ext>
+            </a:extLst>
+          </p:cNvPr>
+          <p:cNvSpPr txBox="1"/>
+          <p:nvPr/>
+        </p:nvSpPr>
+        <p:spPr>
+          <a:xfrm>
+            <a:off x="201501" y="1565344"/>
+            <a:ext cx="2268570" cy="338554"/>
+          </a:xfrm>
+          <a:prstGeom prst="rect">
+            <a:avLst/>
+          </a:prstGeom>
+          <a:noFill/>
+        </p:spPr>
+        <p:txBody>
+          <a:bodyPr wrap="none" rtlCol="0">
+            <a:spAutoFit/>
+          </a:bodyPr>
+          <a:lstStyle/>
+          <a:p>
+            <a:r>
+              <a:rPr lang="en-US" sz="1600" dirty="0">
+                <a:latin typeface="Times New Roman" panose="02020603050405020304" pitchFamily="18" charset="0"/>
+                <a:cs typeface="Times New Roman" panose="02020603050405020304" pitchFamily="18" charset="0"/>
+              </a:rPr>
+              <a:t>Happiness_2020 (n=153)</a:t>
+            </a:r>
+          </a:p>
+        </p:txBody>
+      </p:sp>
+      <p:sp>
+        <p:nvSpPr>
+          <p:cNvPr id="35" name="TextBox 34">
+            <a:extLst>
+              <a:ext uri="{FF2B5EF4-FFF2-40B4-BE49-F238E27FC236}">
+                <a16:creationId xmlns:a16="http://schemas.microsoft.com/office/drawing/2014/main" id="{732D246D-86DA-E345-A188-B9B859804001}"/>
+              </a:ext>
+            </a:extLst>
+          </p:cNvPr>
+          <p:cNvSpPr txBox="1"/>
+          <p:nvPr/>
+        </p:nvSpPr>
+        <p:spPr>
+          <a:xfrm>
+            <a:off x="201501" y="1934676"/>
+            <a:ext cx="2268570" cy="338554"/>
+          </a:xfrm>
+          <a:prstGeom prst="rect">
+            <a:avLst/>
+          </a:prstGeom>
+          <a:noFill/>
+        </p:spPr>
+        <p:txBody>
+          <a:bodyPr wrap="none" rtlCol="0">
+            <a:spAutoFit/>
+          </a:bodyPr>
+          <a:lstStyle/>
+          <a:p>
+            <a:r>
+              <a:rPr lang="en-US" sz="1600" dirty="0">
+                <a:latin typeface="Times New Roman" panose="02020603050405020304" pitchFamily="18" charset="0"/>
+                <a:cs typeface="Times New Roman" panose="02020603050405020304" pitchFamily="18" charset="0"/>
+              </a:rPr>
+              <a:t>Happiness_2021 (n=149)</a:t>
+            </a:r>
+          </a:p>
+        </p:txBody>
+      </p:sp>
+      <p:sp>
+        <p:nvSpPr>
+          <p:cNvPr id="36" name="TextBox 35">
+            <a:extLst>
+              <a:ext uri="{FF2B5EF4-FFF2-40B4-BE49-F238E27FC236}">
+                <a16:creationId xmlns:a16="http://schemas.microsoft.com/office/drawing/2014/main" id="{22FDBBCC-AEFA-DD42-A63A-03945652C352}"/>
+              </a:ext>
+            </a:extLst>
+          </p:cNvPr>
+          <p:cNvSpPr txBox="1"/>
+          <p:nvPr/>
+        </p:nvSpPr>
+        <p:spPr>
+          <a:xfrm>
+            <a:off x="235367" y="2673340"/>
+            <a:ext cx="2159566" cy="338554"/>
+          </a:xfrm>
+          <a:prstGeom prst="rect">
+            <a:avLst/>
+          </a:prstGeom>
+          <a:noFill/>
+        </p:spPr>
+        <p:txBody>
+          <a:bodyPr wrap="none" rtlCol="0">
+            <a:spAutoFit/>
+          </a:bodyPr>
+          <a:lstStyle/>
+          <a:p>
+            <a:r>
+              <a:rPr lang="en-US" sz="1600" dirty="0" err="1">
+                <a:latin typeface="Times New Roman" panose="02020603050405020304" pitchFamily="18" charset="0"/>
+                <a:cs typeface="Times New Roman" panose="02020603050405020304" pitchFamily="18" charset="0"/>
+              </a:rPr>
+              <a:t>Covid_API_df</a:t>
+            </a:r>
+            <a:r>
+              <a:rPr lang="en-US" sz="1600" dirty="0">
+                <a:latin typeface="Times New Roman" panose="02020603050405020304" pitchFamily="18" charset="0"/>
+                <a:cs typeface="Times New Roman" panose="02020603050405020304" pitchFamily="18" charset="0"/>
+              </a:rPr>
+              <a:t> (n= 180)</a:t>
+            </a:r>
+          </a:p>
+        </p:txBody>
+      </p:sp>
+      <p:sp>
+        <p:nvSpPr>
+          <p:cNvPr id="39" name="TextBox 38">
+            <a:extLst>
+              <a:ext uri="{FF2B5EF4-FFF2-40B4-BE49-F238E27FC236}">
+                <a16:creationId xmlns:a16="http://schemas.microsoft.com/office/drawing/2014/main" id="{C394A148-8865-C346-97B4-F7EDAAB82659}"/>
+              </a:ext>
+            </a:extLst>
+          </p:cNvPr>
+          <p:cNvSpPr txBox="1"/>
+          <p:nvPr/>
+        </p:nvSpPr>
+        <p:spPr>
+          <a:xfrm>
+            <a:off x="2470071" y="1750010"/>
+            <a:ext cx="710451" cy="338554"/>
+          </a:xfrm>
+          <a:prstGeom prst="rect">
+            <a:avLst/>
+          </a:prstGeom>
+          <a:noFill/>
+        </p:spPr>
+        <p:txBody>
+          <a:bodyPr wrap="none" rtlCol="0">
+            <a:spAutoFit/>
+          </a:bodyPr>
+          <a:lstStyle/>
+          <a:p>
+            <a:r>
+              <a:rPr lang="en-US" sz="1600" dirty="0">
+                <a:latin typeface="Times New Roman" panose="02020603050405020304" pitchFamily="18" charset="0"/>
+                <a:cs typeface="Times New Roman" panose="02020603050405020304" pitchFamily="18" charset="0"/>
+              </a:rPr>
+              <a:t>n=148</a:t>
+            </a:r>
+          </a:p>
+        </p:txBody>
+      </p:sp>
+      <p:sp>
+        <p:nvSpPr>
+          <p:cNvPr id="46" name="TextBox 45">
+            <a:extLst>
+              <a:ext uri="{FF2B5EF4-FFF2-40B4-BE49-F238E27FC236}">
+                <a16:creationId xmlns:a16="http://schemas.microsoft.com/office/drawing/2014/main" id="{53AC979E-CFDB-F647-9681-E7CF6CC2FD9B}"/>
+              </a:ext>
+            </a:extLst>
+          </p:cNvPr>
+          <p:cNvSpPr txBox="1"/>
+          <p:nvPr/>
+        </p:nvSpPr>
+        <p:spPr>
+          <a:xfrm>
+            <a:off x="5571399" y="2140613"/>
+            <a:ext cx="1380506" cy="338554"/>
+          </a:xfrm>
+          <a:prstGeom prst="rect">
+            <a:avLst/>
+          </a:prstGeom>
+          <a:noFill/>
+        </p:spPr>
+        <p:txBody>
+          <a:bodyPr wrap="none" rtlCol="0">
+            <a:spAutoFit/>
+          </a:bodyPr>
+          <a:lstStyle/>
+          <a:p>
+            <a:r>
+              <a:rPr lang="en-US" sz="1600" dirty="0" err="1">
+                <a:latin typeface="Times New Roman" panose="02020603050405020304" pitchFamily="18" charset="0"/>
+                <a:cs typeface="Times New Roman" panose="02020603050405020304" pitchFamily="18" charset="0"/>
+              </a:rPr>
+              <a:t>all_df</a:t>
+            </a:r>
+            <a:r>
+              <a:rPr lang="en-US" sz="1600" dirty="0">
+                <a:latin typeface="Times New Roman" panose="02020603050405020304" pitchFamily="18" charset="0"/>
+                <a:cs typeface="Times New Roman" panose="02020603050405020304" pitchFamily="18" charset="0"/>
+              </a:rPr>
+              <a:t> (n=133)</a:t>
+            </a:r>
+          </a:p>
+        </p:txBody>
+      </p:sp>
+      <p:sp>
+        <p:nvSpPr>
+          <p:cNvPr id="48" name="TextBox 47">
+            <a:extLst>
+              <a:ext uri="{FF2B5EF4-FFF2-40B4-BE49-F238E27FC236}">
+                <a16:creationId xmlns:a16="http://schemas.microsoft.com/office/drawing/2014/main" id="{17AEF803-56D0-5546-BFC0-503BAB55423E}"/>
+              </a:ext>
+            </a:extLst>
+          </p:cNvPr>
+          <p:cNvSpPr txBox="1"/>
+          <p:nvPr/>
+        </p:nvSpPr>
+        <p:spPr>
+          <a:xfrm>
+            <a:off x="6904042" y="1762469"/>
+            <a:ext cx="2980303" cy="1077218"/>
+          </a:xfrm>
+          <a:prstGeom prst="rect">
+            <a:avLst/>
+          </a:prstGeom>
+          <a:noFill/>
+        </p:spPr>
+        <p:txBody>
+          <a:bodyPr wrap="none" rtlCol="0">
+            <a:spAutoFit/>
+          </a:bodyPr>
+          <a:lstStyle/>
+          <a:p>
+            <a:r>
+              <a:rPr lang="en-US" sz="1600" dirty="0">
+                <a:latin typeface="Times New Roman" panose="02020603050405020304" pitchFamily="18" charset="0"/>
+                <a:cs typeface="Times New Roman" panose="02020603050405020304" pitchFamily="18" charset="0"/>
+              </a:rPr>
+              <a:t>Normalization by total population</a:t>
+            </a:r>
+          </a:p>
+          <a:p>
+            <a:r>
+              <a:rPr lang="en-US" sz="1600" dirty="0">
+                <a:latin typeface="Times New Roman" panose="02020603050405020304" pitchFamily="18" charset="0"/>
+                <a:cs typeface="Times New Roman" panose="02020603050405020304" pitchFamily="18" charset="0"/>
+              </a:rPr>
+              <a:t>Score difference (2021 – 2020)</a:t>
+            </a:r>
+          </a:p>
+          <a:p>
+            <a:r>
+              <a:rPr lang="en-US" sz="1600" dirty="0">
+                <a:latin typeface="Times New Roman" panose="02020603050405020304" pitchFamily="18" charset="0"/>
+                <a:cs typeface="Times New Roman" panose="02020603050405020304" pitchFamily="18" charset="0"/>
+              </a:rPr>
+              <a:t>Relationship by scatter plot</a:t>
+            </a:r>
+          </a:p>
+          <a:p>
+            <a:r>
+              <a:rPr lang="en-US" sz="1600" dirty="0">
+                <a:latin typeface="Times New Roman" panose="02020603050405020304" pitchFamily="18" charset="0"/>
+                <a:cs typeface="Times New Roman" panose="02020603050405020304" pitchFamily="18" charset="0"/>
+              </a:rPr>
+              <a:t>Linear regression</a:t>
+            </a:r>
+          </a:p>
+        </p:txBody>
+      </p:sp>
       <p:sp>
         <p:nvSpPr>
           <p:cNvPr id="55" name="Right Bracket 54">
@@ -4060,6 +5644,87 @@
           </a:p>
         </p:txBody>
       </p:sp>
+      <p:grpSp>
+        <p:nvGrpSpPr>
+          <p:cNvPr id="7" name="Group 6">
+            <a:extLst>
+              <a:ext uri="{FF2B5EF4-FFF2-40B4-BE49-F238E27FC236}">
+                <a16:creationId xmlns:a16="http://schemas.microsoft.com/office/drawing/2014/main" id="{1C5E4AB5-E827-4640-869E-4D9751546629}"/>
+              </a:ext>
+            </a:extLst>
+          </p:cNvPr>
+          <p:cNvGrpSpPr/>
+          <p:nvPr/>
+        </p:nvGrpSpPr>
+        <p:grpSpPr>
+          <a:xfrm>
+            <a:off x="1140946" y="3351165"/>
+            <a:ext cx="9154960" cy="3377713"/>
+            <a:chOff x="1485331" y="3266405"/>
+            <a:chExt cx="9154960" cy="3377713"/>
+          </a:xfrm>
+        </p:grpSpPr>
+        <p:pic>
+          <p:nvPicPr>
+            <p:cNvPr id="4" name="Picture 3">
+              <a:extLst>
+                <a:ext uri="{FF2B5EF4-FFF2-40B4-BE49-F238E27FC236}">
+                  <a16:creationId xmlns:a16="http://schemas.microsoft.com/office/drawing/2014/main" id="{469DF42F-E218-294D-B5B2-6805AF8F2281}"/>
+                </a:ext>
+              </a:extLst>
+            </p:cNvPr>
+            <p:cNvPicPr>
+              <a:picLocks noChangeAspect="1"/>
+            </p:cNvPicPr>
+            <p:nvPr/>
+          </p:nvPicPr>
+          <p:blipFill>
+            <a:blip r:embed="rId2"/>
+            <a:stretch>
+              <a:fillRect/>
+            </a:stretch>
+          </p:blipFill>
+          <p:spPr>
+            <a:xfrm>
+              <a:off x="1485331" y="3266405"/>
+              <a:ext cx="8257575" cy="3377713"/>
+            </a:xfrm>
+            <a:prstGeom prst="rect">
+              <a:avLst/>
+            </a:prstGeom>
+          </p:spPr>
+        </p:pic>
+        <p:pic>
+          <p:nvPicPr>
+            <p:cNvPr id="6" name="Picture 5">
+              <a:extLst>
+                <a:ext uri="{FF2B5EF4-FFF2-40B4-BE49-F238E27FC236}">
+                  <a16:creationId xmlns:a16="http://schemas.microsoft.com/office/drawing/2014/main" id="{5A88D8D1-10EC-C14C-88D3-5A79F7ECE4C2}"/>
+                </a:ext>
+              </a:extLst>
+            </p:cNvPr>
+            <p:cNvPicPr>
+              <a:picLocks noChangeAspect="1"/>
+            </p:cNvPicPr>
+            <p:nvPr/>
+          </p:nvPicPr>
+          <p:blipFill>
+            <a:blip r:embed="rId3"/>
+            <a:stretch>
+              <a:fillRect/>
+            </a:stretch>
+          </p:blipFill>
+          <p:spPr>
+            <a:xfrm>
+              <a:off x="9731031" y="3322011"/>
+              <a:ext cx="909260" cy="3025202"/>
+            </a:xfrm>
+            <a:prstGeom prst="rect">
+              <a:avLst/>
+            </a:prstGeom>
+          </p:spPr>
+        </p:pic>
+      </p:grpSp>
     </p:spTree>
     <p:extLst>
       <p:ext uri="{BB962C8B-B14F-4D97-AF65-F5344CB8AC3E}">
@@ -4073,7 +5738,7 @@
 </p:sld>
 </file>
 
-<file path=ppt/slides/slide3.xml><?xml version="1.0" encoding="utf-8"?>
+<file path=ppt/slides/slide7.xml><?xml version="1.0" encoding="utf-8"?>
 <p:sld xmlns:a="http://schemas.openxmlformats.org/drawingml/2006/main" xmlns:r="http://schemas.openxmlformats.org/officeDocument/2006/relationships" xmlns:p="http://schemas.openxmlformats.org/presentationml/2006/main">
   <p:cSld>
     <p:spTree>
@@ -4090,51 +5755,21 @@
           <a:chExt cx="0" cy="0"/>
         </a:xfrm>
       </p:grpSpPr>
-      <p:pic>
-        <p:nvPicPr>
-          <p:cNvPr id="4" name="Picture 3">
-            <a:extLst>
-              <a:ext uri="{FF2B5EF4-FFF2-40B4-BE49-F238E27FC236}">
-                <a16:creationId xmlns:a16="http://schemas.microsoft.com/office/drawing/2014/main" id="{DBA9FD5A-0C65-7C44-87F7-94EF2925C15D}"/>
-              </a:ext>
-            </a:extLst>
-          </p:cNvPr>
-          <p:cNvPicPr>
-            <a:picLocks noChangeAspect="1"/>
-          </p:cNvPicPr>
+      <p:sp>
+        <p:nvSpPr>
+          <p:cNvPr id="5" name="TextBox 4">
+            <a:extLst>
+              <a:ext uri="{FF2B5EF4-FFF2-40B4-BE49-F238E27FC236}">
+                <a16:creationId xmlns:a16="http://schemas.microsoft.com/office/drawing/2014/main" id="{7A4B8847-229D-174E-8025-EBD6C958495A}"/>
+              </a:ext>
+            </a:extLst>
+          </p:cNvPr>
+          <p:cNvSpPr txBox="1"/>
           <p:nvPr/>
-        </p:nvPicPr>
-        <p:blipFill>
-          <a:blip r:embed="rId2"/>
-          <a:stretch>
-            <a:fillRect/>
-          </a:stretch>
-        </p:blipFill>
+        </p:nvSpPr>
         <p:spPr>
           <a:xfrm>
-            <a:off x="-286917" y="1581077"/>
-            <a:ext cx="7768281" cy="1942070"/>
-          </a:xfrm>
-          <a:prstGeom prst="rect">
-            <a:avLst/>
-          </a:prstGeom>
-        </p:spPr>
-      </p:pic>
-      <p:sp>
-        <p:nvSpPr>
-          <p:cNvPr id="5" name="TextBox 4">
-            <a:extLst>
-              <a:ext uri="{FF2B5EF4-FFF2-40B4-BE49-F238E27FC236}">
-                <a16:creationId xmlns:a16="http://schemas.microsoft.com/office/drawing/2014/main" id="{7A4B8847-229D-174E-8025-EBD6C958495A}"/>
-              </a:ext>
-            </a:extLst>
-          </p:cNvPr>
-          <p:cNvSpPr txBox="1"/>
-          <p:nvPr/>
-        </p:nvSpPr>
-        <p:spPr>
-          <a:xfrm>
-            <a:off x="780074" y="6002444"/>
+            <a:off x="823641" y="5681211"/>
             <a:ext cx="902811" cy="369332"/>
           </a:xfrm>
           <a:prstGeom prst="rect">
@@ -4186,7 +5821,7 @@
         </p:nvSpPr>
         <p:spPr>
           <a:xfrm>
-            <a:off x="4105245" y="5959394"/>
+            <a:off x="3983913" y="5681211"/>
             <a:ext cx="902811" cy="369332"/>
           </a:xfrm>
           <a:prstGeom prst="rect">
@@ -4226,10 +5861,10 @@
       </p:sp>
       <p:sp>
         <p:nvSpPr>
-          <p:cNvPr id="7" name="TextBox 6">
-            <a:extLst>
-              <a:ext uri="{FF2B5EF4-FFF2-40B4-BE49-F238E27FC236}">
-                <a16:creationId xmlns:a16="http://schemas.microsoft.com/office/drawing/2014/main" id="{3B7399AF-E5B0-9E47-9E59-33E68E208F75}"/>
+          <p:cNvPr id="13" name="TextBox 12">
+            <a:extLst>
+              <a:ext uri="{FF2B5EF4-FFF2-40B4-BE49-F238E27FC236}">
+                <a16:creationId xmlns:a16="http://schemas.microsoft.com/office/drawing/2014/main" id="{C3CBB824-0804-2143-9D7C-569478AACC6B}"/>
               </a:ext>
             </a:extLst>
           </p:cNvPr>
@@ -4238,78 +5873,133 @@
         </p:nvSpPr>
         <p:spPr>
           <a:xfrm>
-            <a:off x="4523993" y="3533241"/>
-            <a:ext cx="1532792" cy="276999"/>
+            <a:off x="7144185" y="4585204"/>
+            <a:ext cx="4502300" cy="2062103"/>
           </a:xfrm>
           <a:prstGeom prst="rect">
             <a:avLst/>
           </a:prstGeom>
-          <a:solidFill>
-            <a:schemeClr val="bg1"/>
-          </a:solidFill>
+          <a:noFill/>
         </p:spPr>
         <p:txBody>
-          <a:bodyPr wrap="none" rtlCol="0">
+          <a:bodyPr wrap="square" rtlCol="0">
             <a:spAutoFit/>
           </a:bodyPr>
           <a:lstStyle/>
           <a:p>
             <a:r>
-              <a:rPr lang="en-US" sz="1200" b="1" dirty="0">
-                <a:latin typeface="Times New Roman" panose="02020603050405020304" pitchFamily="18" charset="0"/>
-                <a:cs typeface="Times New Roman" panose="02020603050405020304" pitchFamily="18" charset="0"/>
-              </a:rPr>
-              <a:t>log(confirmed cases)</a:t>
-            </a:r>
-          </a:p>
-        </p:txBody>
-      </p:sp>
-      <p:sp>
-        <p:nvSpPr>
-          <p:cNvPr id="8" name="TextBox 7">
-            <a:extLst>
-              <a:ext uri="{FF2B5EF4-FFF2-40B4-BE49-F238E27FC236}">
-                <a16:creationId xmlns:a16="http://schemas.microsoft.com/office/drawing/2014/main" id="{725B90F9-5241-D74C-B878-87C4399EA6CA}"/>
-              </a:ext>
-            </a:extLst>
-          </p:cNvPr>
-          <p:cNvSpPr txBox="1"/>
+              <a:rPr lang="en-US" sz="1600" b="1" dirty="0">
+                <a:latin typeface="Times New Roman" panose="02020603050405020304" pitchFamily="18" charset="0"/>
+                <a:cs typeface="Times New Roman" panose="02020603050405020304" pitchFamily="18" charset="0"/>
+              </a:rPr>
+              <a:t>Conclusion:</a:t>
+            </a:r>
+          </a:p>
+          <a:p>
+            <a:pPr marL="285750" indent="-285750">
+              <a:buFont typeface="Arial" panose="020B0604020202020204" pitchFamily="34" charset="0"/>
+              <a:buChar char="•"/>
+            </a:pPr>
+            <a:r>
+              <a:rPr lang="en-US" sz="1600" b="1" dirty="0">
+                <a:latin typeface="Times New Roman" panose="02020603050405020304" pitchFamily="18" charset="0"/>
+                <a:cs typeface="Times New Roman" panose="02020603050405020304" pitchFamily="18" charset="0"/>
+              </a:rPr>
+              <a:t>There is a weak positive relationship between happiness score and confirmed case number/percentage among all the countries around the world.</a:t>
+            </a:r>
+          </a:p>
+          <a:p>
+            <a:pPr marL="285750" indent="-285750">
+              <a:buFont typeface="Arial" panose="020B0604020202020204" pitchFamily="34" charset="0"/>
+              <a:buChar char="•"/>
+            </a:pPr>
+            <a:r>
+              <a:rPr lang="en-US" sz="1600" b="1" dirty="0">
+                <a:latin typeface="Times New Roman" panose="02020603050405020304" pitchFamily="18" charset="0"/>
+                <a:cs typeface="Times New Roman" panose="02020603050405020304" pitchFamily="18" charset="0"/>
+              </a:rPr>
+              <a:t>There is no correlation between difference of happiness (2021-2020) and percentage of confirmed/total population.</a:t>
+            </a:r>
+          </a:p>
+        </p:txBody>
+      </p:sp>
+      <p:sp>
+        <p:nvSpPr>
+          <p:cNvPr id="17" name="Title 1">
+            <a:extLst>
+              <a:ext uri="{FF2B5EF4-FFF2-40B4-BE49-F238E27FC236}">
+                <a16:creationId xmlns:a16="http://schemas.microsoft.com/office/drawing/2014/main" id="{CDB6944D-7B98-8C4E-A5DC-FB2D23CFEA1A}"/>
+              </a:ext>
+            </a:extLst>
+          </p:cNvPr>
+          <p:cNvSpPr txBox="1">
+            <a:spLocks/>
+          </p:cNvSpPr>
           <p:nvPr/>
         </p:nvSpPr>
         <p:spPr>
           <a:xfrm>
-            <a:off x="1167188" y="3523147"/>
-            <a:ext cx="1532792" cy="276999"/>
+            <a:off x="212155" y="61992"/>
+            <a:ext cx="7873314" cy="1325563"/>
           </a:xfrm>
           <a:prstGeom prst="rect">
             <a:avLst/>
           </a:prstGeom>
-          <a:solidFill>
-            <a:schemeClr val="bg1"/>
-          </a:solidFill>
         </p:spPr>
         <p:txBody>
-          <a:bodyPr wrap="none" rtlCol="0">
-            <a:spAutoFit/>
+          <a:bodyPr vert="horz" lIns="91440" tIns="45720" rIns="91440" bIns="45720" rtlCol="0" anchor="ctr">
+            <a:normAutofit/>
           </a:bodyPr>
-          <a:lstStyle/>
-          <a:p>
-            <a:r>
-              <a:rPr lang="en-US" sz="1200" b="1" dirty="0">
-                <a:latin typeface="Times New Roman" panose="02020603050405020304" pitchFamily="18" charset="0"/>
-                <a:cs typeface="Times New Roman" panose="02020603050405020304" pitchFamily="18" charset="0"/>
-              </a:rPr>
-              <a:t>log(confirmed cases)</a:t>
+          <a:lstStyle>
+            <a:lvl1pPr algn="l" defTabSz="914400" rtl="0" eaLnBrk="1" latinLnBrk="0" hangingPunct="1">
+              <a:lnSpc>
+                <a:spcPct val="90000"/>
+              </a:lnSpc>
+              <a:spcBef>
+                <a:spcPct val="0"/>
+              </a:spcBef>
+              <a:buNone/>
+              <a:defRPr sz="4400" kern="1200">
+                <a:solidFill>
+                  <a:schemeClr val="tx1"/>
+                </a:solidFill>
+                <a:latin typeface="+mj-lt"/>
+                <a:ea typeface="+mj-ea"/>
+                <a:cs typeface="+mj-cs"/>
+              </a:defRPr>
+            </a:lvl1pPr>
+          </a:lstStyle>
+          <a:p>
+            <a:r>
+              <a:rPr lang="en-US" sz="3000" b="1" dirty="0">
+                <a:latin typeface="Times New Roman" panose="02020603050405020304" pitchFamily="18" charset="0"/>
+                <a:cs typeface="Times New Roman" panose="02020603050405020304" pitchFamily="18" charset="0"/>
+              </a:rPr>
+              <a:t>Relationship between </a:t>
+            </a:r>
+            <a:r>
+              <a:rPr lang="en-US" sz="3000" b="1" dirty="0" err="1">
+                <a:latin typeface="Times New Roman" panose="02020603050405020304" pitchFamily="18" charset="0"/>
+                <a:cs typeface="Times New Roman" panose="02020603050405020304" pitchFamily="18" charset="0"/>
+              </a:rPr>
+              <a:t>covid</a:t>
+            </a:r>
+            <a:r>
+              <a:rPr lang="en-US" sz="3000" b="1" dirty="0">
+                <a:latin typeface="Times New Roman" panose="02020603050405020304" pitchFamily="18" charset="0"/>
+                <a:cs typeface="Times New Roman" panose="02020603050405020304" pitchFamily="18" charset="0"/>
+              </a:rPr>
+              <a:t> confirmed cases and happiness score pre- and during pandemic</a:t>
             </a:r>
           </a:p>
         </p:txBody>
       </p:sp>
       <p:pic>
         <p:nvPicPr>
-          <p:cNvPr id="9" name="Picture 8">
-            <a:extLst>
-              <a:ext uri="{FF2B5EF4-FFF2-40B4-BE49-F238E27FC236}">
-                <a16:creationId xmlns:a16="http://schemas.microsoft.com/office/drawing/2014/main" id="{9213BA22-9D84-174D-83F7-96038747310D}"/>
+          <p:cNvPr id="24" name="Picture 23">
+            <a:extLst>
+              <a:ext uri="{FF2B5EF4-FFF2-40B4-BE49-F238E27FC236}">
+                <a16:creationId xmlns:a16="http://schemas.microsoft.com/office/drawing/2014/main" id="{33577423-4F37-0842-912D-E64D4A6C1C55}"/>
               </a:ext>
             </a:extLst>
           </p:cNvPr>
@@ -4318,15 +6008,16 @@
           </p:cNvPicPr>
           <p:nvPr/>
         </p:nvPicPr>
-        <p:blipFill rotWithShape="1">
+        <p:blipFill>
           <a:blip r:embed="rId3"/>
-          <a:srcRect t="11021"/>
-          <a:stretch/>
+          <a:stretch>
+            <a:fillRect/>
+          </a:stretch>
         </p:blipFill>
         <p:spPr>
           <a:xfrm>
-            <a:off x="435897" y="3998212"/>
-            <a:ext cx="2995373" cy="1599158"/>
+            <a:off x="377861" y="3596716"/>
+            <a:ext cx="3197537" cy="1918522"/>
           </a:xfrm>
           <a:prstGeom prst="rect">
             <a:avLst/>
@@ -4335,10 +6026,10 @@
       </p:pic>
       <p:pic>
         <p:nvPicPr>
-          <p:cNvPr id="10" name="Picture 9">
-            <a:extLst>
-              <a:ext uri="{FF2B5EF4-FFF2-40B4-BE49-F238E27FC236}">
-                <a16:creationId xmlns:a16="http://schemas.microsoft.com/office/drawing/2014/main" id="{8012657D-CE8B-2843-85F6-A5C4E679CE50}"/>
+          <p:cNvPr id="26" name="Picture 25">
+            <a:extLst>
+              <a:ext uri="{FF2B5EF4-FFF2-40B4-BE49-F238E27FC236}">
+                <a16:creationId xmlns:a16="http://schemas.microsoft.com/office/drawing/2014/main" id="{A9DE7EB1-2F2A-C843-A6ED-16878DAB3CCC}"/>
               </a:ext>
             </a:extLst>
           </p:cNvPr>
@@ -4347,214 +6038,28 @@
           </p:cNvPicPr>
           <p:nvPr/>
         </p:nvPicPr>
-        <p:blipFill rotWithShape="1">
+        <p:blipFill>
           <a:blip r:embed="rId4"/>
-          <a:srcRect t="10768"/>
-          <a:stretch/>
+          <a:stretch>
+            <a:fillRect/>
+          </a:stretch>
         </p:blipFill>
         <p:spPr>
           <a:xfrm>
-            <a:off x="3792702" y="3968672"/>
-            <a:ext cx="2995373" cy="1603679"/>
+            <a:off x="3575398" y="3596716"/>
+            <a:ext cx="3197537" cy="1918522"/>
           </a:xfrm>
           <a:prstGeom prst="rect">
             <a:avLst/>
           </a:prstGeom>
         </p:spPr>
       </p:pic>
-      <p:sp>
-        <p:nvSpPr>
-          <p:cNvPr id="11" name="TextBox 10">
-            <a:extLst>
-              <a:ext uri="{FF2B5EF4-FFF2-40B4-BE49-F238E27FC236}">
-                <a16:creationId xmlns:a16="http://schemas.microsoft.com/office/drawing/2014/main" id="{A3465CFF-3DE1-C145-B8B8-08B2CC17F73D}"/>
-              </a:ext>
-            </a:extLst>
-          </p:cNvPr>
-          <p:cNvSpPr txBox="1"/>
-          <p:nvPr/>
-        </p:nvSpPr>
-        <p:spPr>
-          <a:xfrm>
-            <a:off x="830873" y="5486577"/>
-            <a:ext cx="2287806" cy="276999"/>
-          </a:xfrm>
-          <a:prstGeom prst="rect">
-            <a:avLst/>
-          </a:prstGeom>
-          <a:solidFill>
-            <a:schemeClr val="bg1"/>
-          </a:solidFill>
-        </p:spPr>
-        <p:txBody>
-          <a:bodyPr wrap="none" rtlCol="0">
-            <a:spAutoFit/>
-          </a:bodyPr>
-          <a:lstStyle/>
-          <a:p>
-            <a:r>
-              <a:rPr lang="en-US" sz="1200" b="1" dirty="0">
-                <a:latin typeface="Times New Roman" panose="02020603050405020304" pitchFamily="18" charset="0"/>
-                <a:cs typeface="Times New Roman" panose="02020603050405020304" pitchFamily="18" charset="0"/>
-              </a:rPr>
-              <a:t>Confirmed/total population (%)</a:t>
-            </a:r>
-          </a:p>
-        </p:txBody>
-      </p:sp>
-      <p:sp>
-        <p:nvSpPr>
-          <p:cNvPr id="12" name="TextBox 11">
-            <a:extLst>
-              <a:ext uri="{FF2B5EF4-FFF2-40B4-BE49-F238E27FC236}">
-                <a16:creationId xmlns:a16="http://schemas.microsoft.com/office/drawing/2014/main" id="{C8AEC341-5C2D-8B44-AFA6-117E9A5E3580}"/>
-              </a:ext>
-            </a:extLst>
-          </p:cNvPr>
-          <p:cNvSpPr txBox="1"/>
-          <p:nvPr/>
-        </p:nvSpPr>
-        <p:spPr>
-          <a:xfrm>
-            <a:off x="4148812" y="5476165"/>
-            <a:ext cx="2287806" cy="276999"/>
-          </a:xfrm>
-          <a:prstGeom prst="rect">
-            <a:avLst/>
-          </a:prstGeom>
-          <a:solidFill>
-            <a:schemeClr val="bg1"/>
-          </a:solidFill>
-        </p:spPr>
-        <p:txBody>
-          <a:bodyPr wrap="none" rtlCol="0">
-            <a:spAutoFit/>
-          </a:bodyPr>
-          <a:lstStyle/>
-          <a:p>
-            <a:r>
-              <a:rPr lang="en-US" sz="1200" b="1" dirty="0">
-                <a:latin typeface="Times New Roman" panose="02020603050405020304" pitchFamily="18" charset="0"/>
-                <a:cs typeface="Times New Roman" panose="02020603050405020304" pitchFamily="18" charset="0"/>
-              </a:rPr>
-              <a:t>Confirmed/total population (%)</a:t>
-            </a:r>
-          </a:p>
-        </p:txBody>
-      </p:sp>
-      <p:sp>
-        <p:nvSpPr>
-          <p:cNvPr id="13" name="TextBox 12">
-            <a:extLst>
-              <a:ext uri="{FF2B5EF4-FFF2-40B4-BE49-F238E27FC236}">
-                <a16:creationId xmlns:a16="http://schemas.microsoft.com/office/drawing/2014/main" id="{C3CBB824-0804-2143-9D7C-569478AACC6B}"/>
-              </a:ext>
-            </a:extLst>
-          </p:cNvPr>
-          <p:cNvSpPr txBox="1"/>
-          <p:nvPr/>
-        </p:nvSpPr>
-        <p:spPr>
-          <a:xfrm>
-            <a:off x="7144185" y="4328178"/>
-            <a:ext cx="4039458" cy="1815882"/>
-          </a:xfrm>
-          <a:prstGeom prst="rect">
-            <a:avLst/>
-          </a:prstGeom>
-          <a:noFill/>
-        </p:spPr>
-        <p:txBody>
-          <a:bodyPr wrap="square" rtlCol="0">
-            <a:spAutoFit/>
-          </a:bodyPr>
-          <a:lstStyle/>
-          <a:p>
-            <a:pPr marL="285750" indent="-285750">
-              <a:buFont typeface="Arial" panose="020B0604020202020204" pitchFamily="34" charset="0"/>
-              <a:buChar char="•"/>
-            </a:pPr>
-            <a:r>
-              <a:rPr lang="en-US" sz="1600" u="sng" dirty="0">
-                <a:latin typeface="Times New Roman" panose="02020603050405020304" pitchFamily="18" charset="0"/>
-                <a:cs typeface="Times New Roman" panose="02020603050405020304" pitchFamily="18" charset="0"/>
-              </a:rPr>
-              <a:t>There is a weak positive relationship between happiness score and confirmed case number/percentage among all the countries around the world.</a:t>
-            </a:r>
-          </a:p>
-          <a:p>
-            <a:pPr marL="285750" indent="-285750">
-              <a:buFont typeface="Arial" panose="020B0604020202020204" pitchFamily="34" charset="0"/>
-              <a:buChar char="•"/>
-            </a:pPr>
-            <a:r>
-              <a:rPr lang="en-US" sz="1600" u="sng" dirty="0">
-                <a:latin typeface="Times New Roman" panose="02020603050405020304" pitchFamily="18" charset="0"/>
-                <a:cs typeface="Times New Roman" panose="02020603050405020304" pitchFamily="18" charset="0"/>
-              </a:rPr>
-              <a:t>There is no correlation between difference of happiness (2021-2020) and percentage of confirmed/total population.</a:t>
-            </a:r>
-          </a:p>
-        </p:txBody>
-      </p:sp>
-      <p:sp>
-        <p:nvSpPr>
-          <p:cNvPr id="14" name="Title 1">
-            <a:extLst>
-              <a:ext uri="{FF2B5EF4-FFF2-40B4-BE49-F238E27FC236}">
-                <a16:creationId xmlns:a16="http://schemas.microsoft.com/office/drawing/2014/main" id="{EBE63D6B-A597-3049-9A82-0CFFCF365A2C}"/>
-              </a:ext>
-            </a:extLst>
-          </p:cNvPr>
-          <p:cNvSpPr>
-            <a:spLocks noGrp="1"/>
-          </p:cNvSpPr>
-          <p:nvPr>
-            <p:ph type="title"/>
-          </p:nvPr>
-        </p:nvSpPr>
-        <p:spPr>
-          <a:xfrm>
-            <a:off x="304917" y="255514"/>
-            <a:ext cx="7873314" cy="1325563"/>
-          </a:xfrm>
-        </p:spPr>
-        <p:txBody>
-          <a:bodyPr>
-            <a:normAutofit/>
-          </a:bodyPr>
-          <a:lstStyle/>
-          <a:p>
-            <a:r>
-              <a:rPr lang="en-US" sz="3000" b="1" dirty="0">
-                <a:latin typeface="Times New Roman" panose="02020603050405020304" pitchFamily="18" charset="0"/>
-                <a:cs typeface="Times New Roman" panose="02020603050405020304" pitchFamily="18" charset="0"/>
-              </a:rPr>
-              <a:t>Relationship between </a:t>
-            </a:r>
-            <a:r>
-              <a:rPr lang="en-US" sz="3000" b="1" dirty="0" err="1">
-                <a:latin typeface="Times New Roman" panose="02020603050405020304" pitchFamily="18" charset="0"/>
-                <a:cs typeface="Times New Roman" panose="02020603050405020304" pitchFamily="18" charset="0"/>
-              </a:rPr>
-              <a:t>covid</a:t>
-            </a:r>
-            <a:r>
-              <a:rPr lang="en-US" sz="3000" b="1" dirty="0">
-                <a:latin typeface="Times New Roman" panose="02020603050405020304" pitchFamily="18" charset="0"/>
-                <a:cs typeface="Times New Roman" panose="02020603050405020304" pitchFamily="18" charset="0"/>
-              </a:rPr>
-              <a:t> cases and happiness score pre- and during pandemic</a:t>
-            </a:r>
-          </a:p>
-        </p:txBody>
-      </p:sp>
       <p:pic>
         <p:nvPicPr>
-          <p:cNvPr id="16" name="Picture 15">
-            <a:extLst>
-              <a:ext uri="{FF2B5EF4-FFF2-40B4-BE49-F238E27FC236}">
-                <a16:creationId xmlns:a16="http://schemas.microsoft.com/office/drawing/2014/main" id="{6D702151-3AB4-BC4A-818F-2F45834D2637}"/>
+          <p:cNvPr id="30" name="Picture 29">
+            <a:extLst>
+              <a:ext uri="{FF2B5EF4-FFF2-40B4-BE49-F238E27FC236}">
+                <a16:creationId xmlns:a16="http://schemas.microsoft.com/office/drawing/2014/main" id="{42CD3C9D-A6DE-2244-8958-91AB45E1CEE7}"/>
               </a:ext>
             </a:extLst>
           </p:cNvPr>
@@ -4571,8 +6076,38 @@
         </p:blipFill>
         <p:spPr>
           <a:xfrm>
-            <a:off x="7284599" y="1028700"/>
-            <a:ext cx="4547115" cy="3031410"/>
+            <a:off x="377861" y="1512221"/>
+            <a:ext cx="6395074" cy="1918522"/>
+          </a:xfrm>
+          <a:prstGeom prst="rect">
+            <a:avLst/>
+          </a:prstGeom>
+        </p:spPr>
+      </p:pic>
+      <p:pic>
+        <p:nvPicPr>
+          <p:cNvPr id="35" name="Picture 34">
+            <a:extLst>
+              <a:ext uri="{FF2B5EF4-FFF2-40B4-BE49-F238E27FC236}">
+                <a16:creationId xmlns:a16="http://schemas.microsoft.com/office/drawing/2014/main" id="{E32FAF57-FA4D-514F-99F8-CE9E3D4ACAFF}"/>
+              </a:ext>
+            </a:extLst>
+          </p:cNvPr>
+          <p:cNvPicPr>
+            <a:picLocks noChangeAspect="1"/>
+          </p:cNvPicPr>
+          <p:nvPr/>
+        </p:nvPicPr>
+        <p:blipFill>
+          <a:blip r:embed="rId6"/>
+          <a:stretch>
+            <a:fillRect/>
+          </a:stretch>
+        </p:blipFill>
+        <p:spPr>
+          <a:xfrm>
+            <a:off x="7013046" y="1282534"/>
+            <a:ext cx="4764578" cy="3176385"/>
           </a:xfrm>
           <a:prstGeom prst="rect">
             <a:avLst/>
@@ -4885,4 +6420,299 @@
     </a:ext>
   </a:extLst>
 </a:theme>
+</file>
+
+<file path=ppt/theme/theme2.xml><?xml version="1.0" encoding="utf-8"?>
+<a:theme xmlns:a="http://schemas.openxmlformats.org/drawingml/2006/main" name="Office Theme">
+  <a:themeElements>
+    <a:clrScheme name="Office">
+      <a:dk1>
+        <a:sysClr val="windowText" lastClr="000000"/>
+      </a:dk1>
+      <a:lt1>
+        <a:sysClr val="window" lastClr="FFFFFF"/>
+      </a:lt1>
+      <a:dk2>
+        <a:srgbClr val="44546A"/>
+      </a:dk2>
+      <a:lt2>
+        <a:srgbClr val="E7E6E6"/>
+      </a:lt2>
+      <a:accent1>
+        <a:srgbClr val="4472C4"/>
+      </a:accent1>
+      <a:accent2>
+        <a:srgbClr val="ED7D31"/>
+      </a:accent2>
+      <a:accent3>
+        <a:srgbClr val="A5A5A5"/>
+      </a:accent3>
+      <a:accent4>
+        <a:srgbClr val="FFC000"/>
+      </a:accent4>
+      <a:accent5>
+        <a:srgbClr val="5B9BD5"/>
+      </a:accent5>
+      <a:accent6>
+        <a:srgbClr val="70AD47"/>
+      </a:accent6>
+      <a:hlink>
+        <a:srgbClr val="0563C1"/>
+      </a:hlink>
+      <a:folHlink>
+        <a:srgbClr val="954F72"/>
+      </a:folHlink>
+    </a:clrScheme>
+    <a:fontScheme name="Office">
+      <a:majorFont>
+        <a:latin typeface="Calibri Light" panose="020F0302020204030204"/>
+        <a:ea typeface=""/>
+        <a:cs typeface=""/>
+        <a:font script="Jpan" typeface="游ゴシック Light"/>
+        <a:font script="Hang" typeface="맑은 고딕"/>
+        <a:font script="Hans" typeface="等线 Light"/>
+        <a:font script="Hant" typeface="新細明體"/>
+        <a:font script="Arab" typeface="Times New Roman"/>
+        <a:font script="Hebr" typeface="Times New Roman"/>
+        <a:font script="Thai" typeface="Angsana New"/>
+        <a:font script="Ethi" typeface="Nyala"/>
+        <a:font script="Beng" typeface="Vrinda"/>
+        <a:font script="Gujr" typeface="Shruti"/>
+        <a:font script="Khmr" typeface="MoolBoran"/>
+        <a:font script="Knda" typeface="Tunga"/>
+        <a:font script="Guru" typeface="Raavi"/>
+        <a:font script="Cans" typeface="Euphemia"/>
+        <a:font script="Cher" typeface="Plantagenet Cherokee"/>
+        <a:font script="Yiii" typeface="Microsoft Yi Baiti"/>
+        <a:font script="Tibt" typeface="Microsoft Himalaya"/>
+        <a:font script="Thaa" typeface="MV Boli"/>
+        <a:font script="Deva" typeface="Mangal"/>
+        <a:font script="Telu" typeface="Gautami"/>
+        <a:font script="Taml" typeface="Latha"/>
+        <a:font script="Syrc" typeface="Estrangelo Edessa"/>
+        <a:font script="Orya" typeface="Kalinga"/>
+        <a:font script="Mlym" typeface="Kartika"/>
+        <a:font script="Laoo" typeface="DokChampa"/>
+        <a:font script="Sinh" typeface="Iskoola Pota"/>
+        <a:font script="Mong" typeface="Mongolian Baiti"/>
+        <a:font script="Viet" typeface="Times New Roman"/>
+        <a:font script="Uigh" typeface="Microsoft Uighur"/>
+        <a:font script="Geor" typeface="Sylfaen"/>
+        <a:font script="Armn" typeface="Arial"/>
+        <a:font script="Bugi" typeface="Leelawadee UI"/>
+        <a:font script="Bopo" typeface="Microsoft JhengHei"/>
+        <a:font script="Java" typeface="Javanese Text"/>
+        <a:font script="Lisu" typeface="Segoe UI"/>
+        <a:font script="Mymr" typeface="Myanmar Text"/>
+        <a:font script="Nkoo" typeface="Ebrima"/>
+        <a:font script="Olck" typeface="Nirmala UI"/>
+        <a:font script="Osma" typeface="Ebrima"/>
+        <a:font script="Phag" typeface="Phagspa"/>
+        <a:font script="Syrn" typeface="Estrangelo Edessa"/>
+        <a:font script="Syrj" typeface="Estrangelo Edessa"/>
+        <a:font script="Syre" typeface="Estrangelo Edessa"/>
+        <a:font script="Sora" typeface="Nirmala UI"/>
+        <a:font script="Tale" typeface="Microsoft Tai Le"/>
+        <a:font script="Talu" typeface="Microsoft New Tai Lue"/>
+        <a:font script="Tfng" typeface="Ebrima"/>
+      </a:majorFont>
+      <a:minorFont>
+        <a:latin typeface="Calibri" panose="020F0502020204030204"/>
+        <a:ea typeface=""/>
+        <a:cs typeface=""/>
+        <a:font script="Jpan" typeface="游ゴシック"/>
+        <a:font script="Hang" typeface="맑은 고딕"/>
+        <a:font script="Hans" typeface="等线"/>
+        <a:font script="Hant" typeface="新細明體"/>
+        <a:font script="Arab" typeface="Arial"/>
+        <a:font script="Hebr" typeface="Arial"/>
+        <a:font script="Thai" typeface="Cordia New"/>
+        <a:font script="Ethi" typeface="Nyala"/>
+        <a:font script="Beng" typeface="Vrinda"/>
+        <a:font script="Gujr" typeface="Shruti"/>
+        <a:font script="Khmr" typeface="DaunPenh"/>
+        <a:font script="Knda" typeface="Tunga"/>
+        <a:font script="Guru" typeface="Raavi"/>
+        <a:font script="Cans" typeface="Euphemia"/>
+        <a:font script="Cher" typeface="Plantagenet Cherokee"/>
+        <a:font script="Yiii" typeface="Microsoft Yi Baiti"/>
+        <a:font script="Tibt" typeface="Microsoft Himalaya"/>
+        <a:font script="Thaa" typeface="MV Boli"/>
+        <a:font script="Deva" typeface="Mangal"/>
+        <a:font script="Telu" typeface="Gautami"/>
+        <a:font script="Taml" typeface="Latha"/>
+        <a:font script="Syrc" typeface="Estrangelo Edessa"/>
+        <a:font script="Orya" typeface="Kalinga"/>
+        <a:font script="Mlym" typeface="Kartika"/>
+        <a:font script="Laoo" typeface="DokChampa"/>
+        <a:font script="Sinh" typeface="Iskoola Pota"/>
+        <a:font script="Mong" typeface="Mongolian Baiti"/>
+        <a:font script="Viet" typeface="Arial"/>
+        <a:font script="Uigh" typeface="Microsoft Uighur"/>
+        <a:font script="Geor" typeface="Sylfaen"/>
+        <a:font script="Armn" typeface="Arial"/>
+        <a:font script="Bugi" typeface="Leelawadee UI"/>
+        <a:font script="Bopo" typeface="Microsoft JhengHei"/>
+        <a:font script="Java" typeface="Javanese Text"/>
+        <a:font script="Lisu" typeface="Segoe UI"/>
+        <a:font script="Mymr" typeface="Myanmar Text"/>
+        <a:font script="Nkoo" typeface="Ebrima"/>
+        <a:font script="Olck" typeface="Nirmala UI"/>
+        <a:font script="Osma" typeface="Ebrima"/>
+        <a:font script="Phag" typeface="Phagspa"/>
+        <a:font script="Syrn" typeface="Estrangelo Edessa"/>
+        <a:font script="Syrj" typeface="Estrangelo Edessa"/>
+        <a:font script="Syre" typeface="Estrangelo Edessa"/>
+        <a:font script="Sora" typeface="Nirmala UI"/>
+        <a:font script="Tale" typeface="Microsoft Tai Le"/>
+        <a:font script="Talu" typeface="Microsoft New Tai Lue"/>
+        <a:font script="Tfng" typeface="Ebrima"/>
+      </a:minorFont>
+    </a:fontScheme>
+    <a:fmtScheme name="Office">
+      <a:fillStyleLst>
+        <a:solidFill>
+          <a:schemeClr val="phClr"/>
+        </a:solidFill>
+        <a:gradFill rotWithShape="1">
+          <a:gsLst>
+            <a:gs pos="0">
+              <a:schemeClr val="phClr">
+                <a:lumMod val="110000"/>
+                <a:satMod val="105000"/>
+                <a:tint val="67000"/>
+              </a:schemeClr>
+            </a:gs>
+            <a:gs pos="50000">
+              <a:schemeClr val="phClr">
+                <a:lumMod val="105000"/>
+                <a:satMod val="103000"/>
+                <a:tint val="73000"/>
+              </a:schemeClr>
+            </a:gs>
+            <a:gs pos="100000">
+              <a:schemeClr val="phClr">
+                <a:lumMod val="105000"/>
+                <a:satMod val="109000"/>
+                <a:tint val="81000"/>
+              </a:schemeClr>
+            </a:gs>
+          </a:gsLst>
+          <a:lin ang="5400000" scaled="0"/>
+        </a:gradFill>
+        <a:gradFill rotWithShape="1">
+          <a:gsLst>
+            <a:gs pos="0">
+              <a:schemeClr val="phClr">
+                <a:satMod val="103000"/>
+                <a:lumMod val="102000"/>
+                <a:tint val="94000"/>
+              </a:schemeClr>
+            </a:gs>
+            <a:gs pos="50000">
+              <a:schemeClr val="phClr">
+                <a:satMod val="110000"/>
+                <a:lumMod val="100000"/>
+                <a:shade val="100000"/>
+              </a:schemeClr>
+            </a:gs>
+            <a:gs pos="100000">
+              <a:schemeClr val="phClr">
+                <a:lumMod val="99000"/>
+                <a:satMod val="120000"/>
+                <a:shade val="78000"/>
+              </a:schemeClr>
+            </a:gs>
+          </a:gsLst>
+          <a:lin ang="5400000" scaled="0"/>
+        </a:gradFill>
+      </a:fillStyleLst>
+      <a:lnStyleLst>
+        <a:ln w="6350" cap="flat" cmpd="sng" algn="ctr">
+          <a:solidFill>
+            <a:schemeClr val="phClr"/>
+          </a:solidFill>
+          <a:prstDash val="solid"/>
+          <a:miter lim="800000"/>
+        </a:ln>
+        <a:ln w="12700" cap="flat" cmpd="sng" algn="ctr">
+          <a:solidFill>
+            <a:schemeClr val="phClr"/>
+          </a:solidFill>
+          <a:prstDash val="solid"/>
+          <a:miter lim="800000"/>
+        </a:ln>
+        <a:ln w="19050" cap="flat" cmpd="sng" algn="ctr">
+          <a:solidFill>
+            <a:schemeClr val="phClr"/>
+          </a:solidFill>
+          <a:prstDash val="solid"/>
+          <a:miter lim="800000"/>
+        </a:ln>
+      </a:lnStyleLst>
+      <a:effectStyleLst>
+        <a:effectStyle>
+          <a:effectLst/>
+        </a:effectStyle>
+        <a:effectStyle>
+          <a:effectLst/>
+        </a:effectStyle>
+        <a:effectStyle>
+          <a:effectLst>
+            <a:outerShdw blurRad="57150" dist="19050" dir="5400000" algn="ctr" rotWithShape="0">
+              <a:srgbClr val="000000">
+                <a:alpha val="63000"/>
+              </a:srgbClr>
+            </a:outerShdw>
+          </a:effectLst>
+        </a:effectStyle>
+      </a:effectStyleLst>
+      <a:bgFillStyleLst>
+        <a:solidFill>
+          <a:schemeClr val="phClr"/>
+        </a:solidFill>
+        <a:solidFill>
+          <a:schemeClr val="phClr">
+            <a:tint val="95000"/>
+            <a:satMod val="170000"/>
+          </a:schemeClr>
+        </a:solidFill>
+        <a:gradFill rotWithShape="1">
+          <a:gsLst>
+            <a:gs pos="0">
+              <a:schemeClr val="phClr">
+                <a:tint val="93000"/>
+                <a:satMod val="150000"/>
+                <a:shade val="98000"/>
+                <a:lumMod val="102000"/>
+              </a:schemeClr>
+            </a:gs>
+            <a:gs pos="50000">
+              <a:schemeClr val="phClr">
+                <a:tint val="98000"/>
+                <a:satMod val="130000"/>
+                <a:shade val="90000"/>
+                <a:lumMod val="103000"/>
+              </a:schemeClr>
+            </a:gs>
+            <a:gs pos="100000">
+              <a:schemeClr val="phClr">
+                <a:shade val="63000"/>
+                <a:satMod val="120000"/>
+              </a:schemeClr>
+            </a:gs>
+          </a:gsLst>
+          <a:lin ang="5400000" scaled="0"/>
+        </a:gradFill>
+      </a:bgFillStyleLst>
+    </a:fmtScheme>
+  </a:themeElements>
+  <a:objectDefaults/>
+  <a:extraClrSchemeLst/>
+  <a:extLst>
+    <a:ext uri="{05A4C25C-085E-4340-85A3-A5531E510DB2}">
+      <thm15:themeFamily xmlns:thm15="http://schemas.microsoft.com/office/thememl/2012/main" name="Office Theme" id="{62F939B6-93AF-4DB8-9C6B-D6C7DFDC589F}" vid="{4A3C46E8-61CC-4603-A589-7422A47A8E4A}"/>
+    </a:ext>
+  </a:extLst>
+</a:theme>
 </file>
--- a/project_one.pptx
+++ b/project_one.pptx
@@ -5,7 +5,7 @@
     <p:sldMasterId id="2147483648" r:id="rId1"/>
   </p:sldMasterIdLst>
   <p:notesMasterIdLst>
-    <p:notesMasterId r:id="rId9"/>
+    <p:notesMasterId r:id="rId11"/>
   </p:notesMasterIdLst>
   <p:sldIdLst>
     <p:sldId id="256" r:id="rId2"/>
@@ -15,6 +15,8 @@
     <p:sldId id="262" r:id="rId6"/>
     <p:sldId id="257" r:id="rId7"/>
     <p:sldId id="258" r:id="rId8"/>
+    <p:sldId id="263" r:id="rId9"/>
+    <p:sldId id="264" r:id="rId10"/>
   </p:sldIdLst>
   <p:sldSz cx="12192000" cy="6858000"/>
   <p:notesSz cx="6858000" cy="9144000"/>
@@ -4776,7 +4778,7 @@
                 <a:latin typeface="Times New Roman" panose="02020603050405020304" pitchFamily="18" charset="0"/>
                 <a:cs typeface="Times New Roman" panose="02020603050405020304" pitchFamily="18" charset="0"/>
               </a:rPr>
-              <a:t>What are the top 10 happiest countries pre- and during pandemic?</a:t>
+              <a:t>What are the top 10 least happiest countries pre- and during pandemic?</a:t>
             </a:r>
           </a:p>
           <a:p>
@@ -6118,6 +6120,656 @@
     <p:extLst>
       <p:ext uri="{BB962C8B-B14F-4D97-AF65-F5344CB8AC3E}">
         <p14:creationId xmlns:p14="http://schemas.microsoft.com/office/powerpoint/2010/main" val="597451380"/>
+      </p:ext>
+    </p:extLst>
+  </p:cSld>
+  <p:clrMapOvr>
+    <a:masterClrMapping/>
+  </p:clrMapOvr>
+</p:sld>
+</file>
+
+<file path=ppt/slides/slide8.xml><?xml version="1.0" encoding="utf-8"?>
+<p:sld xmlns:a="http://schemas.openxmlformats.org/drawingml/2006/main" xmlns:r="http://schemas.openxmlformats.org/officeDocument/2006/relationships" xmlns:p="http://schemas.openxmlformats.org/presentationml/2006/main">
+  <p:cSld>
+    <p:spTree>
+      <p:nvGrpSpPr>
+        <p:cNvPr id="1" name=""/>
+        <p:cNvGrpSpPr/>
+        <p:nvPr/>
+      </p:nvGrpSpPr>
+      <p:grpSpPr>
+        <a:xfrm>
+          <a:off x="0" y="0"/>
+          <a:ext cx="0" cy="0"/>
+          <a:chOff x="0" y="0"/>
+          <a:chExt cx="0" cy="0"/>
+        </a:xfrm>
+      </p:grpSpPr>
+      <p:sp>
+        <p:nvSpPr>
+          <p:cNvPr id="8" name="Title 1">
+            <a:extLst>
+              <a:ext uri="{FF2B5EF4-FFF2-40B4-BE49-F238E27FC236}">
+                <a16:creationId xmlns:a16="http://schemas.microsoft.com/office/drawing/2014/main" id="{4D46383D-68CD-6745-85EF-334480D336C4}"/>
+              </a:ext>
+            </a:extLst>
+          </p:cNvPr>
+          <p:cNvSpPr txBox="1">
+            <a:spLocks/>
+          </p:cNvSpPr>
+          <p:nvPr/>
+        </p:nvSpPr>
+        <p:spPr>
+          <a:xfrm>
+            <a:off x="212155" y="61992"/>
+            <a:ext cx="9656240" cy="1325563"/>
+          </a:xfrm>
+          <a:prstGeom prst="rect">
+            <a:avLst/>
+          </a:prstGeom>
+        </p:spPr>
+        <p:txBody>
+          <a:bodyPr vert="horz" lIns="91440" tIns="45720" rIns="91440" bIns="45720" rtlCol="0" anchor="ctr">
+            <a:normAutofit/>
+          </a:bodyPr>
+          <a:lstStyle>
+            <a:lvl1pPr algn="l" defTabSz="914400" rtl="0" eaLnBrk="1" latinLnBrk="0" hangingPunct="1">
+              <a:lnSpc>
+                <a:spcPct val="90000"/>
+              </a:lnSpc>
+              <a:spcBef>
+                <a:spcPct val="0"/>
+              </a:spcBef>
+              <a:buNone/>
+              <a:defRPr sz="4400" kern="1200">
+                <a:solidFill>
+                  <a:schemeClr val="tx1"/>
+                </a:solidFill>
+                <a:latin typeface="+mj-lt"/>
+                <a:ea typeface="+mj-ea"/>
+                <a:cs typeface="+mj-cs"/>
+              </a:defRPr>
+            </a:lvl1pPr>
+          </a:lstStyle>
+          <a:p>
+            <a:r>
+              <a:rPr lang="en-US" sz="3000" b="1" dirty="0">
+                <a:latin typeface="Times New Roman" panose="02020603050405020304" pitchFamily="18" charset="0"/>
+                <a:cs typeface="Times New Roman" panose="02020603050405020304" pitchFamily="18" charset="0"/>
+              </a:rPr>
+              <a:t>Relationship between </a:t>
+            </a:r>
+            <a:r>
+              <a:rPr lang="en-US" sz="3000" b="1" dirty="0" err="1">
+                <a:latin typeface="Times New Roman" panose="02020603050405020304" pitchFamily="18" charset="0"/>
+                <a:cs typeface="Times New Roman" panose="02020603050405020304" pitchFamily="18" charset="0"/>
+              </a:rPr>
+              <a:t>covid</a:t>
+            </a:r>
+            <a:r>
+              <a:rPr lang="en-US" sz="3000" b="1" dirty="0">
+                <a:latin typeface="Times New Roman" panose="02020603050405020304" pitchFamily="18" charset="0"/>
+                <a:cs typeface="Times New Roman" panose="02020603050405020304" pitchFamily="18" charset="0"/>
+              </a:rPr>
+              <a:t> deaths and GDP per capita</a:t>
+            </a:r>
+          </a:p>
+        </p:txBody>
+      </p:sp>
+      <p:sp>
+        <p:nvSpPr>
+          <p:cNvPr id="11" name="TextBox 10">
+            <a:extLst>
+              <a:ext uri="{FF2B5EF4-FFF2-40B4-BE49-F238E27FC236}">
+                <a16:creationId xmlns:a16="http://schemas.microsoft.com/office/drawing/2014/main" id="{C9CEF48B-0E6B-2340-9620-D0EB188B6C87}"/>
+              </a:ext>
+            </a:extLst>
+          </p:cNvPr>
+          <p:cNvSpPr txBox="1"/>
+          <p:nvPr/>
+        </p:nvSpPr>
+        <p:spPr>
+          <a:xfrm>
+            <a:off x="5921026" y="6120773"/>
+            <a:ext cx="5087399" cy="584775"/>
+          </a:xfrm>
+          <a:prstGeom prst="rect">
+            <a:avLst/>
+          </a:prstGeom>
+          <a:noFill/>
+        </p:spPr>
+        <p:txBody>
+          <a:bodyPr wrap="square" rtlCol="0">
+            <a:spAutoFit/>
+          </a:bodyPr>
+          <a:lstStyle/>
+          <a:p>
+            <a:r>
+              <a:rPr lang="en-US" sz="1600" b="1" dirty="0">
+                <a:latin typeface="Times New Roman" panose="02020603050405020304" pitchFamily="18" charset="0"/>
+                <a:cs typeface="Times New Roman" panose="02020603050405020304" pitchFamily="18" charset="0"/>
+              </a:rPr>
+              <a:t>Conclusion: There is a weak positive relationship between </a:t>
+            </a:r>
+            <a:r>
+              <a:rPr lang="en-US" sz="1600" b="1" dirty="0" err="1">
+                <a:latin typeface="Times New Roman" panose="02020603050405020304" pitchFamily="18" charset="0"/>
+                <a:cs typeface="Times New Roman" panose="02020603050405020304" pitchFamily="18" charset="0"/>
+              </a:rPr>
+              <a:t>covid</a:t>
+            </a:r>
+            <a:r>
+              <a:rPr lang="en-US" sz="1600" b="1" dirty="0">
+                <a:latin typeface="Times New Roman" panose="02020603050405020304" pitchFamily="18" charset="0"/>
+                <a:cs typeface="Times New Roman" panose="02020603050405020304" pitchFamily="18" charset="0"/>
+              </a:rPr>
+              <a:t> deaths and GDP per capita.</a:t>
+            </a:r>
+          </a:p>
+        </p:txBody>
+      </p:sp>
+      <p:sp>
+        <p:nvSpPr>
+          <p:cNvPr id="14" name="TextBox 13">
+            <a:extLst>
+              <a:ext uri="{FF2B5EF4-FFF2-40B4-BE49-F238E27FC236}">
+                <a16:creationId xmlns:a16="http://schemas.microsoft.com/office/drawing/2014/main" id="{D4DD1000-84B1-D54E-8AD8-008CBEE42ED1}"/>
+              </a:ext>
+            </a:extLst>
+          </p:cNvPr>
+          <p:cNvSpPr txBox="1"/>
+          <p:nvPr/>
+        </p:nvSpPr>
+        <p:spPr>
+          <a:xfrm>
+            <a:off x="6417809" y="1501533"/>
+            <a:ext cx="5087399" cy="338554"/>
+          </a:xfrm>
+          <a:prstGeom prst="rect">
+            <a:avLst/>
+          </a:prstGeom>
+          <a:noFill/>
+        </p:spPr>
+        <p:txBody>
+          <a:bodyPr wrap="square" rtlCol="0">
+            <a:spAutoFit/>
+          </a:bodyPr>
+          <a:lstStyle/>
+          <a:p>
+            <a:r>
+              <a:rPr lang="en-US" altLang="zh-CN" sz="1600" b="1" dirty="0">
+                <a:latin typeface="Times New Roman" panose="02020603050405020304" pitchFamily="18" charset="0"/>
+                <a:cs typeface="Times New Roman" panose="02020603050405020304" pitchFamily="18" charset="0"/>
+              </a:rPr>
+              <a:t>2021</a:t>
+            </a:r>
+            <a:r>
+              <a:rPr lang="zh-CN" altLang="en-US" sz="1600" b="1" dirty="0">
+                <a:latin typeface="Times New Roman" panose="02020603050405020304" pitchFamily="18" charset="0"/>
+                <a:cs typeface="Times New Roman" panose="02020603050405020304" pitchFamily="18" charset="0"/>
+              </a:rPr>
+              <a:t> </a:t>
+            </a:r>
+            <a:r>
+              <a:rPr lang="en-US" altLang="zh-CN" sz="1600" b="1" dirty="0">
+                <a:latin typeface="Times New Roman" panose="02020603050405020304" pitchFamily="18" charset="0"/>
+                <a:cs typeface="Times New Roman" panose="02020603050405020304" pitchFamily="18" charset="0"/>
+              </a:rPr>
+              <a:t>report</a:t>
+            </a:r>
+            <a:endParaRPr lang="en-US" sz="1600" b="1" dirty="0">
+              <a:latin typeface="Times New Roman" panose="02020603050405020304" pitchFamily="18" charset="0"/>
+              <a:cs typeface="Times New Roman" panose="02020603050405020304" pitchFamily="18" charset="0"/>
+            </a:endParaRPr>
+          </a:p>
+        </p:txBody>
+      </p:sp>
+      <p:sp>
+        <p:nvSpPr>
+          <p:cNvPr id="15" name="TextBox 14">
+            <a:extLst>
+              <a:ext uri="{FF2B5EF4-FFF2-40B4-BE49-F238E27FC236}">
+                <a16:creationId xmlns:a16="http://schemas.microsoft.com/office/drawing/2014/main" id="{4825E2D9-D8E7-C04B-A0D6-B069482C30D3}"/>
+              </a:ext>
+            </a:extLst>
+          </p:cNvPr>
+          <p:cNvSpPr txBox="1"/>
+          <p:nvPr/>
+        </p:nvSpPr>
+        <p:spPr>
+          <a:xfrm>
+            <a:off x="706853" y="1501533"/>
+            <a:ext cx="5087399" cy="338554"/>
+          </a:xfrm>
+          <a:prstGeom prst="rect">
+            <a:avLst/>
+          </a:prstGeom>
+          <a:noFill/>
+        </p:spPr>
+        <p:txBody>
+          <a:bodyPr wrap="square" rtlCol="0">
+            <a:spAutoFit/>
+          </a:bodyPr>
+          <a:lstStyle/>
+          <a:p>
+            <a:r>
+              <a:rPr lang="en-US" altLang="zh-CN" sz="1600" b="1" dirty="0">
+                <a:latin typeface="Times New Roman" panose="02020603050405020304" pitchFamily="18" charset="0"/>
+                <a:cs typeface="Times New Roman" panose="02020603050405020304" pitchFamily="18" charset="0"/>
+              </a:rPr>
+              <a:t>2020</a:t>
+            </a:r>
+            <a:r>
+              <a:rPr lang="zh-CN" altLang="en-US" sz="1600" b="1" dirty="0">
+                <a:latin typeface="Times New Roman" panose="02020603050405020304" pitchFamily="18" charset="0"/>
+                <a:cs typeface="Times New Roman" panose="02020603050405020304" pitchFamily="18" charset="0"/>
+              </a:rPr>
+              <a:t> </a:t>
+            </a:r>
+            <a:r>
+              <a:rPr lang="en-US" altLang="zh-CN" sz="1600" b="1" dirty="0">
+                <a:latin typeface="Times New Roman" panose="02020603050405020304" pitchFamily="18" charset="0"/>
+                <a:cs typeface="Times New Roman" panose="02020603050405020304" pitchFamily="18" charset="0"/>
+              </a:rPr>
+              <a:t>report</a:t>
+            </a:r>
+            <a:endParaRPr lang="en-US" sz="1600" b="1" dirty="0">
+              <a:latin typeface="Times New Roman" panose="02020603050405020304" pitchFamily="18" charset="0"/>
+              <a:cs typeface="Times New Roman" panose="02020603050405020304" pitchFamily="18" charset="0"/>
+            </a:endParaRPr>
+          </a:p>
+        </p:txBody>
+      </p:sp>
+      <p:pic>
+        <p:nvPicPr>
+          <p:cNvPr id="16" name="Picture 15">
+            <a:extLst>
+              <a:ext uri="{FF2B5EF4-FFF2-40B4-BE49-F238E27FC236}">
+                <a16:creationId xmlns:a16="http://schemas.microsoft.com/office/drawing/2014/main" id="{7B4F0B30-9206-DB4D-AE23-71E11E1FAC5F}"/>
+              </a:ext>
+            </a:extLst>
+          </p:cNvPr>
+          <p:cNvPicPr>
+            <a:picLocks noChangeAspect="1"/>
+          </p:cNvPicPr>
+          <p:nvPr/>
+        </p:nvPicPr>
+        <p:blipFill>
+          <a:blip r:embed="rId2"/>
+          <a:stretch>
+            <a:fillRect/>
+          </a:stretch>
+        </p:blipFill>
+        <p:spPr>
+          <a:xfrm>
+            <a:off x="5794252" y="1954065"/>
+            <a:ext cx="4834164" cy="4052730"/>
+          </a:xfrm>
+          <a:prstGeom prst="rect">
+            <a:avLst/>
+          </a:prstGeom>
+        </p:spPr>
+      </p:pic>
+      <p:pic>
+        <p:nvPicPr>
+          <p:cNvPr id="20" name="Picture 19">
+            <a:extLst>
+              <a:ext uri="{FF2B5EF4-FFF2-40B4-BE49-F238E27FC236}">
+                <a16:creationId xmlns:a16="http://schemas.microsoft.com/office/drawing/2014/main" id="{51859075-B6F5-014A-8233-351617919757}"/>
+              </a:ext>
+            </a:extLst>
+          </p:cNvPr>
+          <p:cNvPicPr>
+            <a:picLocks noChangeAspect="1"/>
+          </p:cNvPicPr>
+          <p:nvPr/>
+        </p:nvPicPr>
+        <p:blipFill>
+          <a:blip r:embed="rId3"/>
+          <a:stretch>
+            <a:fillRect/>
+          </a:stretch>
+        </p:blipFill>
+        <p:spPr>
+          <a:xfrm>
+            <a:off x="390591" y="1916609"/>
+            <a:ext cx="4834553" cy="4090186"/>
+          </a:xfrm>
+          <a:prstGeom prst="rect">
+            <a:avLst/>
+          </a:prstGeom>
+        </p:spPr>
+      </p:pic>
+    </p:spTree>
+    <p:extLst>
+      <p:ext uri="{BB962C8B-B14F-4D97-AF65-F5344CB8AC3E}">
+        <p14:creationId xmlns:p14="http://schemas.microsoft.com/office/powerpoint/2010/main" val="3842904165"/>
+      </p:ext>
+    </p:extLst>
+  </p:cSld>
+  <p:clrMapOvr>
+    <a:masterClrMapping/>
+  </p:clrMapOvr>
+</p:sld>
+</file>
+
+<file path=ppt/slides/slide9.xml><?xml version="1.0" encoding="utf-8"?>
+<p:sld xmlns:a="http://schemas.openxmlformats.org/drawingml/2006/main" xmlns:r="http://schemas.openxmlformats.org/officeDocument/2006/relationships" xmlns:p="http://schemas.openxmlformats.org/presentationml/2006/main">
+  <p:cSld>
+    <p:spTree>
+      <p:nvGrpSpPr>
+        <p:cNvPr id="1" name=""/>
+        <p:cNvGrpSpPr/>
+        <p:nvPr/>
+      </p:nvGrpSpPr>
+      <p:grpSpPr>
+        <a:xfrm>
+          <a:off x="0" y="0"/>
+          <a:ext cx="0" cy="0"/>
+          <a:chOff x="0" y="0"/>
+          <a:chExt cx="0" cy="0"/>
+        </a:xfrm>
+      </p:grpSpPr>
+      <p:sp>
+        <p:nvSpPr>
+          <p:cNvPr id="5" name="Title 1">
+            <a:extLst>
+              <a:ext uri="{FF2B5EF4-FFF2-40B4-BE49-F238E27FC236}">
+                <a16:creationId xmlns:a16="http://schemas.microsoft.com/office/drawing/2014/main" id="{2B448C4C-3E01-7B4A-8DAF-0F53FFF334A4}"/>
+              </a:ext>
+            </a:extLst>
+          </p:cNvPr>
+          <p:cNvSpPr txBox="1">
+            <a:spLocks/>
+          </p:cNvSpPr>
+          <p:nvPr/>
+        </p:nvSpPr>
+        <p:spPr>
+          <a:xfrm>
+            <a:off x="212154" y="61992"/>
+            <a:ext cx="10368759" cy="1325563"/>
+          </a:xfrm>
+          <a:prstGeom prst="rect">
+            <a:avLst/>
+          </a:prstGeom>
+        </p:spPr>
+        <p:txBody>
+          <a:bodyPr vert="horz" lIns="91440" tIns="45720" rIns="91440" bIns="45720" rtlCol="0" anchor="ctr">
+            <a:normAutofit/>
+          </a:bodyPr>
+          <a:lstStyle>
+            <a:lvl1pPr algn="l" defTabSz="914400" rtl="0" eaLnBrk="1" latinLnBrk="0" hangingPunct="1">
+              <a:lnSpc>
+                <a:spcPct val="90000"/>
+              </a:lnSpc>
+              <a:spcBef>
+                <a:spcPct val="0"/>
+              </a:spcBef>
+              <a:buNone/>
+              <a:defRPr sz="4400" kern="1200">
+                <a:solidFill>
+                  <a:schemeClr val="tx1"/>
+                </a:solidFill>
+                <a:latin typeface="+mj-lt"/>
+                <a:ea typeface="+mj-ea"/>
+                <a:cs typeface="+mj-cs"/>
+              </a:defRPr>
+            </a:lvl1pPr>
+          </a:lstStyle>
+          <a:p>
+            <a:r>
+              <a:rPr lang="en-US" sz="3000" b="1" dirty="0">
+                <a:latin typeface="Times New Roman" panose="02020603050405020304" pitchFamily="18" charset="0"/>
+                <a:cs typeface="Times New Roman" panose="02020603050405020304" pitchFamily="18" charset="0"/>
+              </a:rPr>
+              <a:t>Relationship between </a:t>
+            </a:r>
+            <a:r>
+              <a:rPr lang="en-US" sz="3000" b="1" dirty="0" err="1">
+                <a:latin typeface="Times New Roman" panose="02020603050405020304" pitchFamily="18" charset="0"/>
+                <a:cs typeface="Times New Roman" panose="02020603050405020304" pitchFamily="18" charset="0"/>
+              </a:rPr>
+              <a:t>covid</a:t>
+            </a:r>
+            <a:r>
+              <a:rPr lang="en-US" sz="3000" b="1" dirty="0">
+                <a:latin typeface="Times New Roman" panose="02020603050405020304" pitchFamily="18" charset="0"/>
+                <a:cs typeface="Times New Roman" panose="02020603050405020304" pitchFamily="18" charset="0"/>
+              </a:rPr>
+              <a:t> deaths and healthy life expectancy</a:t>
+            </a:r>
+          </a:p>
+        </p:txBody>
+      </p:sp>
+      <p:sp>
+        <p:nvSpPr>
+          <p:cNvPr id="6" name="TextBox 5">
+            <a:extLst>
+              <a:ext uri="{FF2B5EF4-FFF2-40B4-BE49-F238E27FC236}">
+                <a16:creationId xmlns:a16="http://schemas.microsoft.com/office/drawing/2014/main" id="{F73C5FDD-3DFB-5844-BA81-A70ADE284456}"/>
+              </a:ext>
+            </a:extLst>
+          </p:cNvPr>
+          <p:cNvSpPr txBox="1"/>
+          <p:nvPr/>
+        </p:nvSpPr>
+        <p:spPr>
+          <a:xfrm>
+            <a:off x="6170407" y="6080198"/>
+            <a:ext cx="5087399" cy="584775"/>
+          </a:xfrm>
+          <a:prstGeom prst="rect">
+            <a:avLst/>
+          </a:prstGeom>
+          <a:noFill/>
+        </p:spPr>
+        <p:txBody>
+          <a:bodyPr wrap="square" rtlCol="0">
+            <a:spAutoFit/>
+          </a:bodyPr>
+          <a:lstStyle/>
+          <a:p>
+            <a:r>
+              <a:rPr lang="en-US" sz="1600" b="1" dirty="0">
+                <a:latin typeface="Times New Roman" panose="02020603050405020304" pitchFamily="18" charset="0"/>
+                <a:cs typeface="Times New Roman" panose="02020603050405020304" pitchFamily="18" charset="0"/>
+              </a:rPr>
+              <a:t>Conclusion: There is a weak positive relationship between </a:t>
+            </a:r>
+            <a:r>
+              <a:rPr lang="en-US" sz="1600" b="1" dirty="0" err="1">
+                <a:latin typeface="Times New Roman" panose="02020603050405020304" pitchFamily="18" charset="0"/>
+                <a:cs typeface="Times New Roman" panose="02020603050405020304" pitchFamily="18" charset="0"/>
+              </a:rPr>
+              <a:t>covid</a:t>
+            </a:r>
+            <a:r>
+              <a:rPr lang="en-US" sz="1600" b="1" dirty="0">
+                <a:latin typeface="Times New Roman" panose="02020603050405020304" pitchFamily="18" charset="0"/>
+                <a:cs typeface="Times New Roman" panose="02020603050405020304" pitchFamily="18" charset="0"/>
+              </a:rPr>
+              <a:t> deaths and healthy life expectancy.</a:t>
+            </a:r>
+          </a:p>
+        </p:txBody>
+      </p:sp>
+      <p:pic>
+        <p:nvPicPr>
+          <p:cNvPr id="7" name="Picture 6">
+            <a:extLst>
+              <a:ext uri="{FF2B5EF4-FFF2-40B4-BE49-F238E27FC236}">
+                <a16:creationId xmlns:a16="http://schemas.microsoft.com/office/drawing/2014/main" id="{AF7BA2CA-EE41-334D-8A97-FD9A2ED3B4D5}"/>
+              </a:ext>
+            </a:extLst>
+          </p:cNvPr>
+          <p:cNvPicPr>
+            <a:picLocks noChangeAspect="1"/>
+          </p:cNvPicPr>
+          <p:nvPr/>
+        </p:nvPicPr>
+        <p:blipFill>
+          <a:blip r:embed="rId2"/>
+          <a:stretch>
+            <a:fillRect/>
+          </a:stretch>
+        </p:blipFill>
+        <p:spPr>
+          <a:xfrm>
+            <a:off x="5660570" y="1869080"/>
+            <a:ext cx="5118857" cy="3938147"/>
+          </a:xfrm>
+          <a:prstGeom prst="rect">
+            <a:avLst/>
+          </a:prstGeom>
+        </p:spPr>
+      </p:pic>
+      <p:sp>
+        <p:nvSpPr>
+          <p:cNvPr id="8" name="TextBox 7">
+            <a:extLst>
+              <a:ext uri="{FF2B5EF4-FFF2-40B4-BE49-F238E27FC236}">
+                <a16:creationId xmlns:a16="http://schemas.microsoft.com/office/drawing/2014/main" id="{A7B3BD3E-F8DD-084B-8B0D-F73C449529E2}"/>
+              </a:ext>
+            </a:extLst>
+          </p:cNvPr>
+          <p:cNvSpPr txBox="1"/>
+          <p:nvPr/>
+        </p:nvSpPr>
+        <p:spPr>
+          <a:xfrm>
+            <a:off x="6417809" y="1501533"/>
+            <a:ext cx="5087399" cy="338554"/>
+          </a:xfrm>
+          <a:prstGeom prst="rect">
+            <a:avLst/>
+          </a:prstGeom>
+          <a:noFill/>
+        </p:spPr>
+        <p:txBody>
+          <a:bodyPr wrap="square" rtlCol="0">
+            <a:spAutoFit/>
+          </a:bodyPr>
+          <a:lstStyle/>
+          <a:p>
+            <a:r>
+              <a:rPr lang="en-US" altLang="zh-CN" sz="1600" b="1" dirty="0">
+                <a:latin typeface="Times New Roman" panose="02020603050405020304" pitchFamily="18" charset="0"/>
+                <a:cs typeface="Times New Roman" panose="02020603050405020304" pitchFamily="18" charset="0"/>
+              </a:rPr>
+              <a:t>2021</a:t>
+            </a:r>
+            <a:r>
+              <a:rPr lang="zh-CN" altLang="en-US" sz="1600" b="1" dirty="0">
+                <a:latin typeface="Times New Roman" panose="02020603050405020304" pitchFamily="18" charset="0"/>
+                <a:cs typeface="Times New Roman" panose="02020603050405020304" pitchFamily="18" charset="0"/>
+              </a:rPr>
+              <a:t> </a:t>
+            </a:r>
+            <a:r>
+              <a:rPr lang="en-US" altLang="zh-CN" sz="1600" b="1" dirty="0">
+                <a:latin typeface="Times New Roman" panose="02020603050405020304" pitchFamily="18" charset="0"/>
+                <a:cs typeface="Times New Roman" panose="02020603050405020304" pitchFamily="18" charset="0"/>
+              </a:rPr>
+              <a:t>report</a:t>
+            </a:r>
+            <a:endParaRPr lang="en-US" sz="1600" b="1" dirty="0">
+              <a:latin typeface="Times New Roman" panose="02020603050405020304" pitchFamily="18" charset="0"/>
+              <a:cs typeface="Times New Roman" panose="02020603050405020304" pitchFamily="18" charset="0"/>
+            </a:endParaRPr>
+          </a:p>
+        </p:txBody>
+      </p:sp>
+      <p:sp>
+        <p:nvSpPr>
+          <p:cNvPr id="9" name="TextBox 8">
+            <a:extLst>
+              <a:ext uri="{FF2B5EF4-FFF2-40B4-BE49-F238E27FC236}">
+                <a16:creationId xmlns:a16="http://schemas.microsoft.com/office/drawing/2014/main" id="{8747B88A-11F3-D34D-95C5-A85DE7DFD4ED}"/>
+              </a:ext>
+            </a:extLst>
+          </p:cNvPr>
+          <p:cNvSpPr txBox="1"/>
+          <p:nvPr/>
+        </p:nvSpPr>
+        <p:spPr>
+          <a:xfrm>
+            <a:off x="573171" y="1416548"/>
+            <a:ext cx="5087399" cy="338554"/>
+          </a:xfrm>
+          <a:prstGeom prst="rect">
+            <a:avLst/>
+          </a:prstGeom>
+          <a:noFill/>
+        </p:spPr>
+        <p:txBody>
+          <a:bodyPr wrap="square" rtlCol="0">
+            <a:spAutoFit/>
+          </a:bodyPr>
+          <a:lstStyle/>
+          <a:p>
+            <a:r>
+              <a:rPr lang="en-US" altLang="zh-CN" sz="1600" b="1" dirty="0">
+                <a:latin typeface="Times New Roman" panose="02020603050405020304" pitchFamily="18" charset="0"/>
+                <a:cs typeface="Times New Roman" panose="02020603050405020304" pitchFamily="18" charset="0"/>
+              </a:rPr>
+              <a:t>2020</a:t>
+            </a:r>
+            <a:r>
+              <a:rPr lang="zh-CN" altLang="en-US" sz="1600" b="1" dirty="0">
+                <a:latin typeface="Times New Roman" panose="02020603050405020304" pitchFamily="18" charset="0"/>
+                <a:cs typeface="Times New Roman" panose="02020603050405020304" pitchFamily="18" charset="0"/>
+              </a:rPr>
+              <a:t> </a:t>
+            </a:r>
+            <a:r>
+              <a:rPr lang="en-US" altLang="zh-CN" sz="1600" b="1" dirty="0">
+                <a:latin typeface="Times New Roman" panose="02020603050405020304" pitchFamily="18" charset="0"/>
+                <a:cs typeface="Times New Roman" panose="02020603050405020304" pitchFamily="18" charset="0"/>
+              </a:rPr>
+              <a:t>report</a:t>
+            </a:r>
+            <a:endParaRPr lang="en-US" sz="1600" b="1" dirty="0">
+              <a:latin typeface="Times New Roman" panose="02020603050405020304" pitchFamily="18" charset="0"/>
+              <a:cs typeface="Times New Roman" panose="02020603050405020304" pitchFamily="18" charset="0"/>
+            </a:endParaRPr>
+          </a:p>
+        </p:txBody>
+      </p:sp>
+      <p:pic>
+        <p:nvPicPr>
+          <p:cNvPr id="13" name="Picture 12">
+            <a:extLst>
+              <a:ext uri="{FF2B5EF4-FFF2-40B4-BE49-F238E27FC236}">
+                <a16:creationId xmlns:a16="http://schemas.microsoft.com/office/drawing/2014/main" id="{04A9C617-0BFD-B84C-B476-265B496060E4}"/>
+              </a:ext>
+            </a:extLst>
+          </p:cNvPr>
+          <p:cNvPicPr>
+            <a:picLocks noChangeAspect="1"/>
+          </p:cNvPicPr>
+          <p:nvPr/>
+        </p:nvPicPr>
+        <p:blipFill>
+          <a:blip r:embed="rId3"/>
+          <a:stretch>
+            <a:fillRect/>
+          </a:stretch>
+        </p:blipFill>
+        <p:spPr>
+          <a:xfrm>
+            <a:off x="399073" y="1840087"/>
+            <a:ext cx="5435593" cy="4052125"/>
+          </a:xfrm>
+          <a:prstGeom prst="rect">
+            <a:avLst/>
+          </a:prstGeom>
+        </p:spPr>
+      </p:pic>
+    </p:spTree>
+    <p:extLst>
+      <p:ext uri="{BB962C8B-B14F-4D97-AF65-F5344CB8AC3E}">
+        <p14:creationId xmlns:p14="http://schemas.microsoft.com/office/powerpoint/2010/main" val="1195021744"/>
       </p:ext>
     </p:extLst>
   </p:cSld>
